--- a/Documentation/DIPLOM/Presentation.pptx
+++ b/Documentation/DIPLOM/Presentation.pptx
@@ -245,7 +245,7 @@
               <a:pPr>
                 <a:defRPr/>
               </a:pPr>
-              <a:t>19.06.2025</a:t>
+              <a:t>26.06.2025</a:t>
             </a:fld>
             <a:endParaRPr lang="ru-RU"/>
           </a:p>
@@ -632,15 +632,18 @@
           </a:bodyPr>
           <a:lstStyle/>
           <a:p>
-            <a:endParaRPr lang="ru-RU" sz="1200" kern="1200" dirty="0">
-              <a:solidFill>
-                <a:schemeClr val="tx1"/>
-              </a:solidFill>
-              <a:effectLst/>
-              <a:latin typeface="+mn-lt"/>
-              <a:ea typeface="+mn-ea"/>
-              <a:cs typeface="+mn-cs"/>
-            </a:endParaRPr>
+            <a:r>
+              <a:rPr lang="ru-RU" sz="1200" kern="1200" dirty="0">
+                <a:solidFill>
+                  <a:schemeClr val="tx1"/>
+                </a:solidFill>
+                <a:effectLst/>
+                <a:latin typeface="+mn-lt"/>
+                <a:ea typeface="+mn-ea"/>
+                <a:cs typeface="+mn-cs"/>
+              </a:rPr>
+              <a:t>Здравствуйте уважаемые предстатель и члены государственной квалификационной комиссии, предоставляю вашему вниманию дипломный проект на тему ПС «Учёт выпуска и реализации продукции в ООО «Вактайм» г. Сморгонь»</a:t>
+            </a:r>
           </a:p>
         </p:txBody>
       </p:sp>
@@ -702,7 +705,7 @@
 </p:notes>
 </file>
 
-<file path=ppt/notesSlides/notesSlide2.xml><?xml version="1.0" encoding="utf-8"?>
+<file path=ppt/notesSlides/notesSlide10.xml><?xml version="1.0" encoding="utf-8"?>
 <p:notes xmlns:a="http://schemas.openxmlformats.org/drawingml/2006/main" xmlns:r="http://schemas.openxmlformats.org/officeDocument/2006/relationships" xmlns:p="http://schemas.openxmlformats.org/presentationml/2006/main">
   <p:cSld>
     <p:spTree>
@@ -721,7 +724,7 @@
       </p:grpSpPr>
       <p:sp>
         <p:nvSpPr>
-          <p:cNvPr id="17409" name="Образ слайда 1"/>
+          <p:cNvPr id="2" name="Образ слайда 1"/>
           <p:cNvSpPr>
             <a:spLocks noGrp="1" noRot="1" noChangeAspect="1"/>
           </p:cNvSpPr>
@@ -729,25 +732,11 @@
             <p:ph type="sldImg"/>
           </p:nvPr>
         </p:nvSpPr>
-        <p:spPr bwMode="auto">
-          <a:xfrm>
-            <a:off x="381000" y="685800"/>
-            <a:ext cx="6096000" cy="3429000"/>
-          </a:xfrm>
-          <a:noFill/>
-          <a:ln>
-            <a:solidFill>
-              <a:srgbClr val="000000"/>
-            </a:solidFill>
-            <a:miter lim="800000"/>
-            <a:headEnd/>
-            <a:tailEnd/>
-          </a:ln>
-        </p:spPr>
-      </p:sp>
-      <p:sp>
-        <p:nvSpPr>
-          <p:cNvPr id="17410" name="Заметки 2"/>
+        <p:spPr/>
+      </p:sp>
+      <p:sp>
+        <p:nvSpPr>
+          <p:cNvPr id="3" name="Заметки 2"/>
           <p:cNvSpPr>
             <a:spLocks noGrp="1"/>
           </p:cNvSpPr>
@@ -755,77 +744,54 @@
             <p:ph type="body" idx="1"/>
           </p:nvPr>
         </p:nvSpPr>
-        <p:spPr bwMode="auto">
-          <a:noFill/>
-        </p:spPr>
-        <p:txBody>
-          <a:bodyPr wrap="square" numCol="1" anchor="t" anchorCtr="0" compatLnSpc="1">
-            <a:prstTxWarp prst="textNoShape">
-              <a:avLst/>
-            </a:prstTxWarp>
-          </a:bodyPr>
+        <p:spPr/>
+        <p:txBody>
+          <a:bodyPr/>
           <a:lstStyle/>
           <a:p>
+            <a:r>
+              <a:rPr lang="ru-RU" dirty="0"/>
+              <a:t>Окно отчёта по использованию материалов предоставляет информацию о том, какие материалы были задействованы при производстве конкретных изделий, с указанием их количества и стоимости.</a:t>
+            </a:r>
+            <a:endParaRPr lang="ru-BY" dirty="0"/>
+          </a:p>
+        </p:txBody>
+      </p:sp>
+      <p:sp>
+        <p:nvSpPr>
+          <p:cNvPr id="4" name="Номер слайда 3"/>
+          <p:cNvSpPr>
+            <a:spLocks noGrp="1"/>
+          </p:cNvSpPr>
+          <p:nvPr>
+            <p:ph type="sldNum" sz="quarter" idx="5"/>
+          </p:nvPr>
+        </p:nvSpPr>
+        <p:spPr/>
+        <p:txBody>
+          <a:bodyPr/>
+          <a:lstStyle/>
+          <a:p>
             <a:pPr>
-              <a:spcBef>
-                <a:spcPct val="0"/>
-              </a:spcBef>
+              <a:defRPr/>
             </a:pPr>
-            <a:endParaRPr lang="ru-RU" dirty="0"/>
-          </a:p>
-        </p:txBody>
-      </p:sp>
-      <p:sp>
-        <p:nvSpPr>
-          <p:cNvPr id="17411" name="Номер слайда 3"/>
-          <p:cNvSpPr>
-            <a:spLocks noGrp="1"/>
-          </p:cNvSpPr>
-          <p:nvPr>
-            <p:ph type="sldNum" sz="quarter" idx="5"/>
-          </p:nvPr>
-        </p:nvSpPr>
-        <p:spPr bwMode="auto">
-          <a:noFill/>
-          <a:ln>
-            <a:miter lim="800000"/>
-            <a:headEnd/>
-            <a:tailEnd/>
-          </a:ln>
-        </p:spPr>
-        <p:txBody>
-          <a:bodyPr wrap="square" numCol="1" anchorCtr="0" compatLnSpc="1">
-            <a:prstTxWarp prst="textNoShape">
-              <a:avLst/>
-            </a:prstTxWarp>
-          </a:bodyPr>
-          <a:lstStyle/>
-          <a:p>
-            <a:pPr fontAlgn="base">
-              <a:spcBef>
-                <a:spcPct val="0"/>
-              </a:spcBef>
-              <a:spcAft>
-                <a:spcPct val="0"/>
-              </a:spcAft>
-            </a:pPr>
-            <a:fld id="{24C19985-3EFE-40C4-B61B-FA3F079D13C3}" type="slidenum">
-              <a:rPr lang="ru-RU"/>
-              <a:pPr fontAlgn="base">
-                <a:spcBef>
-                  <a:spcPct val="0"/>
-                </a:spcBef>
-                <a:spcAft>
-                  <a:spcPct val="0"/>
-                </a:spcAft>
+            <a:fld id="{0233D74C-3B00-498B-962A-150051E474E5}" type="slidenum">
+              <a:rPr lang="ru-RU" smtClean="0"/>
+              <a:pPr>
+                <a:defRPr/>
               </a:pPr>
-              <a:t>2</a:t>
+              <a:t>10</a:t>
             </a:fld>
             <a:endParaRPr lang="ru-RU"/>
           </a:p>
         </p:txBody>
       </p:sp>
     </p:spTree>
+    <p:extLst>
+      <p:ext uri="{BB962C8B-B14F-4D97-AF65-F5344CB8AC3E}">
+        <p14:creationId xmlns:p14="http://schemas.microsoft.com/office/powerpoint/2010/main" val="1420379517"/>
+      </p:ext>
+    </p:extLst>
   </p:cSld>
   <p:clrMapOvr>
     <a:masterClrMapping/>
@@ -833,7 +799,7 @@
 </p:notes>
 </file>
 
-<file path=ppt/notesSlides/notesSlide3.xml><?xml version="1.0" encoding="utf-8"?>
+<file path=ppt/notesSlides/notesSlide11.xml><?xml version="1.0" encoding="utf-8"?>
 <p:notes xmlns:a="http://schemas.openxmlformats.org/drawingml/2006/main" xmlns:r="http://schemas.openxmlformats.org/officeDocument/2006/relationships" xmlns:p="http://schemas.openxmlformats.org/presentationml/2006/main">
   <p:cSld>
     <p:spTree>
@@ -852,7 +818,7 @@
       </p:grpSpPr>
       <p:sp>
         <p:nvSpPr>
-          <p:cNvPr id="19457" name="Образ слайда 1"/>
+          <p:cNvPr id="2" name="Образ слайда 1"/>
           <p:cNvSpPr>
             <a:spLocks noGrp="1" noRot="1" noChangeAspect="1"/>
           </p:cNvSpPr>
@@ -860,21 +826,7 @@
             <p:ph type="sldImg"/>
           </p:nvPr>
         </p:nvSpPr>
-        <p:spPr bwMode="auto">
-          <a:xfrm>
-            <a:off x="381000" y="685800"/>
-            <a:ext cx="6096000" cy="3429000"/>
-          </a:xfrm>
-          <a:noFill/>
-          <a:ln>
-            <a:solidFill>
-              <a:srgbClr val="000000"/>
-            </a:solidFill>
-            <a:miter lim="800000"/>
-            <a:headEnd/>
-            <a:tailEnd/>
-          </a:ln>
-        </p:spPr>
+        <p:spPr/>
       </p:sp>
       <p:sp>
         <p:nvSpPr>
@@ -891,264 +843,22 @@
           <a:bodyPr/>
           <a:lstStyle/>
           <a:p>
-            <a:pPr fontAlgn="auto">
-              <a:spcBef>
-                <a:spcPts val="0"/>
-              </a:spcBef>
-              <a:spcAft>
-                <a:spcPts val="0"/>
-              </a:spcAft>
-              <a:defRPr/>
-            </a:pPr>
-            <a:endParaRPr lang="ru-RU" dirty="0"/>
-          </a:p>
-        </p:txBody>
-      </p:sp>
-      <p:sp>
-        <p:nvSpPr>
-          <p:cNvPr id="19459" name="Номер слайда 3"/>
+            <a:r>
+              <a:rPr lang="ru-RU" dirty="0"/>
+              <a:t>Окно статистики продаж отображает диаграммы с динамикой реализованной продукции, позволяя анализировать объёмы продаж с разбивкой по месяцам или годам.</a:t>
+            </a:r>
+            <a:endParaRPr lang="ru-BY" dirty="0"/>
+          </a:p>
+        </p:txBody>
+      </p:sp>
+      <p:sp>
+        <p:nvSpPr>
+          <p:cNvPr id="4" name="Номер слайда 3"/>
           <p:cNvSpPr>
             <a:spLocks noGrp="1"/>
           </p:cNvSpPr>
           <p:nvPr>
             <p:ph type="sldNum" sz="quarter" idx="5"/>
-          </p:nvPr>
-        </p:nvSpPr>
-        <p:spPr bwMode="auto">
-          <a:noFill/>
-          <a:ln>
-            <a:miter lim="800000"/>
-            <a:headEnd/>
-            <a:tailEnd/>
-          </a:ln>
-        </p:spPr>
-        <p:txBody>
-          <a:bodyPr wrap="square" numCol="1" anchorCtr="0" compatLnSpc="1">
-            <a:prstTxWarp prst="textNoShape">
-              <a:avLst/>
-            </a:prstTxWarp>
-          </a:bodyPr>
-          <a:lstStyle/>
-          <a:p>
-            <a:pPr fontAlgn="base">
-              <a:spcBef>
-                <a:spcPct val="0"/>
-              </a:spcBef>
-              <a:spcAft>
-                <a:spcPct val="0"/>
-              </a:spcAft>
-            </a:pPr>
-            <a:fld id="{5079D24B-52AE-4209-B380-7AF9A1FC661B}" type="slidenum">
-              <a:rPr lang="ru-RU"/>
-              <a:pPr fontAlgn="base">
-                <a:spcBef>
-                  <a:spcPct val="0"/>
-                </a:spcBef>
-                <a:spcAft>
-                  <a:spcPct val="0"/>
-                </a:spcAft>
-              </a:pPr>
-              <a:t>3</a:t>
-            </a:fld>
-            <a:endParaRPr lang="ru-RU"/>
-          </a:p>
-        </p:txBody>
-      </p:sp>
-    </p:spTree>
-  </p:cSld>
-  <p:clrMapOvr>
-    <a:masterClrMapping/>
-  </p:clrMapOvr>
-</p:notes>
-</file>
-
-<file path=ppt/notesSlides/notesSlide4.xml><?xml version="1.0" encoding="utf-8"?>
-<p:notes xmlns:a="http://schemas.openxmlformats.org/drawingml/2006/main" xmlns:r="http://schemas.openxmlformats.org/officeDocument/2006/relationships" xmlns:p="http://schemas.openxmlformats.org/presentationml/2006/main">
-  <p:cSld>
-    <p:spTree>
-      <p:nvGrpSpPr>
-        <p:cNvPr id="1" name=""/>
-        <p:cNvGrpSpPr/>
-        <p:nvPr/>
-      </p:nvGrpSpPr>
-      <p:grpSpPr>
-        <a:xfrm>
-          <a:off x="0" y="0"/>
-          <a:ext cx="0" cy="0"/>
-          <a:chOff x="0" y="0"/>
-          <a:chExt cx="0" cy="0"/>
-        </a:xfrm>
-      </p:grpSpPr>
-      <p:sp>
-        <p:nvSpPr>
-          <p:cNvPr id="21505" name="Образ слайда 1"/>
-          <p:cNvSpPr>
-            <a:spLocks noGrp="1" noRot="1" noChangeAspect="1"/>
-          </p:cNvSpPr>
-          <p:nvPr>
-            <p:ph type="sldImg"/>
-          </p:nvPr>
-        </p:nvSpPr>
-        <p:spPr bwMode="auto">
-          <a:xfrm>
-            <a:off x="381000" y="685800"/>
-            <a:ext cx="6096000" cy="3429000"/>
-          </a:xfrm>
-          <a:noFill/>
-          <a:ln>
-            <a:solidFill>
-              <a:srgbClr val="000000"/>
-            </a:solidFill>
-            <a:miter lim="800000"/>
-            <a:headEnd/>
-            <a:tailEnd/>
-          </a:ln>
-        </p:spPr>
-      </p:sp>
-      <p:sp>
-        <p:nvSpPr>
-          <p:cNvPr id="3" name="Заметки 2"/>
-          <p:cNvSpPr>
-            <a:spLocks noGrp="1"/>
-          </p:cNvSpPr>
-          <p:nvPr>
-            <p:ph type="body" idx="1"/>
-          </p:nvPr>
-        </p:nvSpPr>
-        <p:spPr/>
-        <p:txBody>
-          <a:bodyPr/>
-          <a:lstStyle/>
-          <a:p>
-            <a:pPr marL="82550" indent="0">
-              <a:buNone/>
-            </a:pPr>
-            <a:endParaRPr lang="ru-RU" dirty="0">
-              <a:latin typeface="Times New Roman" pitchFamily="18" charset="0"/>
-              <a:cs typeface="Times New Roman" pitchFamily="18" charset="0"/>
-            </a:endParaRPr>
-          </a:p>
-        </p:txBody>
-      </p:sp>
-      <p:sp>
-        <p:nvSpPr>
-          <p:cNvPr id="21507" name="Номер слайда 3"/>
-          <p:cNvSpPr>
-            <a:spLocks noGrp="1"/>
-          </p:cNvSpPr>
-          <p:nvPr>
-            <p:ph type="sldNum" sz="quarter" idx="5"/>
-          </p:nvPr>
-        </p:nvSpPr>
-        <p:spPr bwMode="auto">
-          <a:noFill/>
-          <a:ln>
-            <a:miter lim="800000"/>
-            <a:headEnd/>
-            <a:tailEnd/>
-          </a:ln>
-        </p:spPr>
-        <p:txBody>
-          <a:bodyPr wrap="square" numCol="1" anchorCtr="0" compatLnSpc="1">
-            <a:prstTxWarp prst="textNoShape">
-              <a:avLst/>
-            </a:prstTxWarp>
-          </a:bodyPr>
-          <a:lstStyle/>
-          <a:p>
-            <a:pPr fontAlgn="base">
-              <a:spcBef>
-                <a:spcPct val="0"/>
-              </a:spcBef>
-              <a:spcAft>
-                <a:spcPct val="0"/>
-              </a:spcAft>
-            </a:pPr>
-            <a:fld id="{AF45E9C8-6DFB-48CE-A9BB-1BB93442F180}" type="slidenum">
-              <a:rPr lang="ru-RU"/>
-              <a:pPr fontAlgn="base">
-                <a:spcBef>
-                  <a:spcPct val="0"/>
-                </a:spcBef>
-                <a:spcAft>
-                  <a:spcPct val="0"/>
-                </a:spcAft>
-              </a:pPr>
-              <a:t>4</a:t>
-            </a:fld>
-            <a:endParaRPr lang="ru-RU"/>
-          </a:p>
-        </p:txBody>
-      </p:sp>
-    </p:spTree>
-  </p:cSld>
-  <p:clrMapOvr>
-    <a:masterClrMapping/>
-  </p:clrMapOvr>
-</p:notes>
-</file>
-
-<file path=ppt/notesSlides/notesSlide5.xml><?xml version="1.0" encoding="utf-8"?>
-<p:notes xmlns:a="http://schemas.openxmlformats.org/drawingml/2006/main" xmlns:r="http://schemas.openxmlformats.org/officeDocument/2006/relationships" xmlns:p="http://schemas.openxmlformats.org/presentationml/2006/main">
-  <p:cSld>
-    <p:spTree>
-      <p:nvGrpSpPr>
-        <p:cNvPr id="1" name=""/>
-        <p:cNvGrpSpPr/>
-        <p:nvPr/>
-      </p:nvGrpSpPr>
-      <p:grpSpPr>
-        <a:xfrm>
-          <a:off x="0" y="0"/>
-          <a:ext cx="0" cy="0"/>
-          <a:chOff x="0" y="0"/>
-          <a:chExt cx="0" cy="0"/>
-        </a:xfrm>
-      </p:grpSpPr>
-      <p:sp>
-        <p:nvSpPr>
-          <p:cNvPr id="2" name="Образ слайда 1"/>
-          <p:cNvSpPr>
-            <a:spLocks noGrp="1" noRot="1" noChangeAspect="1"/>
-          </p:cNvSpPr>
-          <p:nvPr>
-            <p:ph type="sldImg"/>
-          </p:nvPr>
-        </p:nvSpPr>
-        <p:spPr>
-          <a:xfrm>
-            <a:off x="381000" y="685800"/>
-            <a:ext cx="6096000" cy="3429000"/>
-          </a:xfrm>
-        </p:spPr>
-      </p:sp>
-      <p:sp>
-        <p:nvSpPr>
-          <p:cNvPr id="3" name="Заметки 2"/>
-          <p:cNvSpPr>
-            <a:spLocks noGrp="1"/>
-          </p:cNvSpPr>
-          <p:nvPr>
-            <p:ph type="body" idx="1"/>
-          </p:nvPr>
-        </p:nvSpPr>
-        <p:spPr/>
-        <p:txBody>
-          <a:bodyPr/>
-          <a:lstStyle/>
-          <a:p>
-            <a:endParaRPr lang="ru-RU" dirty="0"/>
-          </a:p>
-        </p:txBody>
-      </p:sp>
-      <p:sp>
-        <p:nvSpPr>
-          <p:cNvPr id="4" name="Номер слайда 3"/>
-          <p:cNvSpPr>
-            <a:spLocks noGrp="1"/>
-          </p:cNvSpPr>
-          <p:nvPr>
-            <p:ph type="sldNum" sz="quarter" idx="10"/>
           </p:nvPr>
         </p:nvSpPr>
         <p:spPr/>
@@ -1164,7 +874,7 @@
               <a:pPr>
                 <a:defRPr/>
               </a:pPr>
-              <a:t>5</a:t>
+              <a:t>11</a:t>
             </a:fld>
             <a:endParaRPr lang="ru-RU"/>
           </a:p>
@@ -1173,7 +883,7 @@
     </p:spTree>
     <p:extLst>
       <p:ext uri="{BB962C8B-B14F-4D97-AF65-F5344CB8AC3E}">
-        <p14:creationId xmlns:p14="http://schemas.microsoft.com/office/powerpoint/2010/main" val="3646877137"/>
+        <p14:creationId xmlns:p14="http://schemas.microsoft.com/office/powerpoint/2010/main" val="4187798759"/>
       </p:ext>
     </p:extLst>
   </p:cSld>
@@ -1183,7 +893,7 @@
 </p:notes>
 </file>
 
-<file path=ppt/notesSlides/notesSlide6.xml><?xml version="1.0" encoding="utf-8"?>
+<file path=ppt/notesSlides/notesSlide12.xml><?xml version="1.0" encoding="utf-8"?>
 <p:notes xmlns:a="http://schemas.openxmlformats.org/drawingml/2006/main" xmlns:r="http://schemas.openxmlformats.org/officeDocument/2006/relationships" xmlns:p="http://schemas.openxmlformats.org/presentationml/2006/main">
   <p:cSld>
     <p:spTree>
@@ -1256,225 +966,8 @@
                 </a:pPr>
                 <a:r>
                   <a:rPr lang="ru-RU" dirty="0"/>
-                  <a:t>  </a:t>
+                  <a:t>Экономический эффект от внедрения программного продукта выражается в значительной экономии рабочего времени сотрудников (до 995ч в год), сокращении ручных операций и снижении ошибок при расчётах. Годовой экономический эффект составляет 27927,65 рублей.</a:t>
                 </a:r>
-              </a:p>
-              <a:p>
-                <a:pPr>
-                  <a:spcBef>
-                    <a:spcPct val="0"/>
-                  </a:spcBef>
-                </a:pPr>
-                <a:r>
-                  <a:rPr lang="ru-RU" dirty="0"/>
-                  <a:t> </a:t>
-                </a:r>
-              </a:p>
-              <a:p>
-                <a:pPr>
-                  <a:spcBef>
-                    <a:spcPct val="0"/>
-                  </a:spcBef>
-                </a:pPr>
-                <a:r>
-                  <a:rPr lang="ru-RU" dirty="0" err="1"/>
-                  <a:t>Зо</a:t>
-                </a:r>
-                <a:r>
-                  <a:rPr lang="ru-RU" dirty="0"/>
-                  <a:t> – </a:t>
-                </a:r>
-                <a14:m>
-                  <m:oMath xmlns:m="http://schemas.openxmlformats.org/officeDocument/2006/math">
-                    <m:r>
-                      <a:rPr lang="ru-RU" sz="1200" i="1" kern="1200" smtClean="0">
-                        <a:solidFill>
-                          <a:schemeClr val="tx1"/>
-                        </a:solidFill>
-                        <a:effectLst/>
-                        <a:latin typeface="Cambria Math" panose="02040503050406030204" pitchFamily="18" charset="0"/>
-                        <a:ea typeface="+mn-ea"/>
-                        <a:cs typeface="+mn-cs"/>
-                      </a:rPr>
-                      <m:t>432,96</m:t>
-                    </m:r>
-                  </m:oMath>
-                </a14:m>
-                <a:r>
-                  <a:rPr lang="ru-RU" dirty="0"/>
-                  <a:t> </a:t>
-                </a:r>
-                <a:r>
-                  <a:rPr lang="ru-RU" dirty="0" err="1"/>
-                  <a:t>руб</a:t>
-                </a:r>
-                <a:r>
-                  <a:rPr lang="ru-RU" dirty="0"/>
-                  <a:t>; (зарплата)</a:t>
-                </a:r>
-              </a:p>
-              <a:p>
-                <a:pPr>
-                  <a:spcBef>
-                    <a:spcPct val="0"/>
-                  </a:spcBef>
-                </a:pPr>
-                <a:r>
-                  <a:rPr lang="ru-RU" dirty="0" err="1"/>
-                  <a:t>Зд</a:t>
-                </a:r>
-                <a:r>
-                  <a:rPr lang="ru-RU" dirty="0"/>
-                  <a:t> – </a:t>
-                </a:r>
-                <a14:m>
-                  <m:oMath xmlns:m="http://schemas.openxmlformats.org/officeDocument/2006/math">
-                    <m:r>
-                      <a:rPr lang="en-US" sz="1200" i="1" kern="1200" smtClean="0">
-                        <a:solidFill>
-                          <a:schemeClr val="tx1"/>
-                        </a:solidFill>
-                        <a:effectLst/>
-                        <a:latin typeface="Cambria Math" panose="02040503050406030204" pitchFamily="18" charset="0"/>
-                        <a:ea typeface="+mn-ea"/>
-                        <a:cs typeface="+mn-cs"/>
-                      </a:rPr>
-                      <m:t>64,94</m:t>
-                    </m:r>
-                  </m:oMath>
-                </a14:m>
-                <a:r>
-                  <a:rPr lang="ru-RU" dirty="0"/>
-                  <a:t> </a:t>
-                </a:r>
-                <a:r>
-                  <a:rPr lang="ru-RU" dirty="0" err="1"/>
-                  <a:t>руб</a:t>
-                </a:r>
-                <a:r>
-                  <a:rPr lang="ru-RU" dirty="0"/>
-                  <a:t>, рассчитано по формуле 3 ; (дополнительная зарплата)</a:t>
-                </a:r>
-              </a:p>
-              <a:p>
-                <a:pPr>
-                  <a:spcBef>
-                    <a:spcPct val="0"/>
-                  </a:spcBef>
-                </a:pPr>
-                <a:r>
-                  <a:rPr lang="ru-RU" dirty="0" err="1"/>
-                  <a:t>Отчисл.соц.нужды</a:t>
-                </a:r>
-                <a:r>
-                  <a:rPr lang="ru-RU" dirty="0"/>
-                  <a:t>.  – </a:t>
-                </a:r>
-                <a14:m>
-                  <m:oMath xmlns:m="http://schemas.openxmlformats.org/officeDocument/2006/math">
-                    <m:r>
-                      <a:rPr lang="be-BY" sz="1200" i="1" kern="1200" smtClean="0">
-                        <a:solidFill>
-                          <a:schemeClr val="tx1"/>
-                        </a:solidFill>
-                        <a:effectLst/>
-                        <a:latin typeface="Cambria Math" panose="02040503050406030204" pitchFamily="18" charset="0"/>
-                        <a:ea typeface="+mn-ea"/>
-                        <a:cs typeface="+mn-cs"/>
-                      </a:rPr>
-                      <m:t>169,28</m:t>
-                    </m:r>
-                  </m:oMath>
-                </a14:m>
-                <a:r>
-                  <a:rPr lang="ru-RU" dirty="0"/>
-                  <a:t> рублей, рассчитано по формулам 4.</a:t>
-                </a:r>
-              </a:p>
-              <a:p>
-                <a:pPr>
-                  <a:spcBef>
-                    <a:spcPct val="0"/>
-                  </a:spcBef>
-                </a:pPr>
-                <a:r>
-                  <a:rPr lang="ru-RU" dirty="0"/>
-                  <a:t>Тогда годовой фонд заработной платы равен:  все складываем</a:t>
-                </a:r>
-              </a:p>
-              <a:p>
-                <a:pPr>
-                  <a:spcBef>
-                    <a:spcPct val="0"/>
-                  </a:spcBef>
-                </a:pPr>
-                <a:r>
-                  <a:rPr lang="ru-RU" dirty="0"/>
-                  <a:t>Условная  экономия  по заработной плате составит:</a:t>
-                </a:r>
-              </a:p>
-              <a:p>
-                <a:pPr>
-                  <a:spcBef>
-                    <a:spcPct val="0"/>
-                  </a:spcBef>
-                </a:pPr>
-                <a:r>
-                  <a:rPr lang="ru-RU" dirty="0"/>
-                  <a:t> руб.	                  ГДФЗП+ К </a:t>
-                </a:r>
-                <a:r>
-                  <a:rPr lang="ru-RU" sz="1200" kern="1200" dirty="0">
-                    <a:solidFill>
-                      <a:schemeClr val="tx1"/>
-                    </a:solidFill>
-                    <a:effectLst/>
-                    <a:latin typeface="+mn-lt"/>
-                    <a:ea typeface="+mn-ea"/>
-                    <a:cs typeface="+mn-cs"/>
-                  </a:rPr>
-                  <a:t>0.49</a:t>
-                </a:r>
-                <a:r>
-                  <a:rPr lang="ru-RU" dirty="0"/>
-                  <a:t>=</a:t>
-                </a:r>
-                <a:r>
-                  <a:rPr lang="be-BY" sz="1200" kern="1200" dirty="0">
-                    <a:solidFill>
-                      <a:schemeClr val="tx1"/>
-                    </a:solidFill>
-                    <a:effectLst/>
-                    <a:latin typeface="+mn-lt"/>
-                    <a:ea typeface="+mn-ea"/>
-                    <a:cs typeface="+mn-cs"/>
-                  </a:rPr>
-                  <a:t>8010,57</a:t>
-                </a:r>
-                <a:r>
-                  <a:rPr lang="ru-RU" dirty="0"/>
-                  <a:t>          (16)</a:t>
-                </a:r>
-              </a:p>
-              <a:p>
-                <a:pPr>
-                  <a:spcBef>
-                    <a:spcPct val="0"/>
-                  </a:spcBef>
-                </a:pPr>
-                <a:r>
-                  <a:rPr lang="ru-RU" sz="1200" kern="1200" dirty="0">
-                    <a:solidFill>
-                      <a:schemeClr val="tx1"/>
-                    </a:solidFill>
-                    <a:effectLst/>
-                    <a:latin typeface="+mn-lt"/>
-                    <a:ea typeface="+mn-ea"/>
-                    <a:cs typeface="+mn-cs"/>
-                  </a:rPr>
-                  <a:t>Вывод. Условный экономический эффект от внедрения программного средства «Учет платных образовательных услуг в школе» составит 6897,41 рублей. </a:t>
-                </a:r>
-                <a:endParaRPr lang="ru-RU" dirty="0"/>
               </a:p>
             </p:txBody>
           </p:sp>
@@ -1778,6 +1271,1139 @@
 </p:notes>
 </file>
 
+<file path=ppt/notesSlides/notesSlide13.xml><?xml version="1.0" encoding="utf-8"?>
+<p:notes xmlns:a="http://schemas.openxmlformats.org/drawingml/2006/main" xmlns:r="http://schemas.openxmlformats.org/officeDocument/2006/relationships" xmlns:p="http://schemas.openxmlformats.org/presentationml/2006/main">
+  <p:cSld>
+    <p:spTree>
+      <p:nvGrpSpPr>
+        <p:cNvPr id="1" name=""/>
+        <p:cNvGrpSpPr/>
+        <p:nvPr/>
+      </p:nvGrpSpPr>
+      <p:grpSpPr>
+        <a:xfrm>
+          <a:off x="0" y="0"/>
+          <a:ext cx="0" cy="0"/>
+          <a:chOff x="0" y="0"/>
+          <a:chExt cx="0" cy="0"/>
+        </a:xfrm>
+      </p:grpSpPr>
+      <p:sp>
+        <p:nvSpPr>
+          <p:cNvPr id="2" name="Образ слайда 1"/>
+          <p:cNvSpPr>
+            <a:spLocks noGrp="1" noRot="1" noChangeAspect="1"/>
+          </p:cNvSpPr>
+          <p:nvPr>
+            <p:ph type="sldImg"/>
+          </p:nvPr>
+        </p:nvSpPr>
+        <p:spPr/>
+      </p:sp>
+      <p:sp>
+        <p:nvSpPr>
+          <p:cNvPr id="3" name="Заметки 2"/>
+          <p:cNvSpPr>
+            <a:spLocks noGrp="1"/>
+          </p:cNvSpPr>
+          <p:nvPr>
+            <p:ph type="body" idx="1"/>
+          </p:nvPr>
+        </p:nvSpPr>
+        <p:spPr/>
+        <p:txBody>
+          <a:bodyPr/>
+          <a:lstStyle/>
+          <a:p>
+            <a:pPr marL="0" marR="0" lvl="0" indent="0" algn="l" defTabSz="914400" rtl="0" eaLnBrk="1" fontAlgn="base" latinLnBrk="0" hangingPunct="1">
+              <a:lnSpc>
+                <a:spcPct val="100000"/>
+              </a:lnSpc>
+              <a:spcBef>
+                <a:spcPct val="30000"/>
+              </a:spcBef>
+              <a:spcAft>
+                <a:spcPct val="0"/>
+              </a:spcAft>
+              <a:buClrTx/>
+              <a:buSzTx/>
+              <a:buFontTx/>
+              <a:buNone/>
+              <a:tabLst/>
+              <a:defRPr/>
+            </a:pPr>
+            <a:r>
+              <a:rPr lang="ru-RU" sz="1200" kern="1200" dirty="0">
+                <a:solidFill>
+                  <a:schemeClr val="tx1"/>
+                </a:solidFill>
+                <a:effectLst/>
+                <a:latin typeface="+mn-lt"/>
+                <a:ea typeface="+mn-ea"/>
+                <a:cs typeface="+mn-cs"/>
+              </a:rPr>
+              <a:t>Перспективы развития проекта:</a:t>
+            </a:r>
+            <a:endParaRPr lang="ru-BY" sz="1200" kern="1200" dirty="0">
+              <a:solidFill>
+                <a:schemeClr val="tx1"/>
+              </a:solidFill>
+              <a:effectLst/>
+              <a:latin typeface="+mn-lt"/>
+              <a:ea typeface="+mn-ea"/>
+              <a:cs typeface="+mn-cs"/>
+            </a:endParaRPr>
+          </a:p>
+          <a:p>
+            <a:pPr marL="0" marR="0" lvl="0" indent="0" algn="l" defTabSz="914400" rtl="0" eaLnBrk="1" fontAlgn="base" latinLnBrk="0" hangingPunct="1">
+              <a:lnSpc>
+                <a:spcPct val="100000"/>
+              </a:lnSpc>
+              <a:spcBef>
+                <a:spcPct val="30000"/>
+              </a:spcBef>
+              <a:spcAft>
+                <a:spcPct val="0"/>
+              </a:spcAft>
+              <a:buClrTx/>
+              <a:buSzTx/>
+              <a:buFontTx/>
+              <a:buNone/>
+              <a:tabLst/>
+              <a:defRPr/>
+            </a:pPr>
+            <a:r>
+              <a:rPr lang="ru-RU" sz="1200" kern="1200" dirty="0">
+                <a:solidFill>
+                  <a:schemeClr val="tx1"/>
+                </a:solidFill>
+                <a:effectLst/>
+                <a:latin typeface="+mn-lt"/>
+                <a:ea typeface="+mn-ea"/>
+                <a:cs typeface="+mn-cs"/>
+              </a:rPr>
+              <a:t>интеграция с внешними системами: внедрение API для обмена данными с ERP‑системой предприятия и системой электронного документооборота;</a:t>
+            </a:r>
+            <a:endParaRPr lang="ru-BY" sz="1200" kern="1200" dirty="0">
+              <a:solidFill>
+                <a:schemeClr val="tx1"/>
+              </a:solidFill>
+              <a:effectLst/>
+              <a:latin typeface="+mn-lt"/>
+              <a:ea typeface="+mn-ea"/>
+              <a:cs typeface="+mn-cs"/>
+            </a:endParaRPr>
+          </a:p>
+          <a:p>
+            <a:pPr marL="0" marR="0" lvl="0" indent="0" algn="l" defTabSz="914400" rtl="0" eaLnBrk="1" fontAlgn="base" latinLnBrk="0" hangingPunct="1">
+              <a:lnSpc>
+                <a:spcPct val="100000"/>
+              </a:lnSpc>
+              <a:spcBef>
+                <a:spcPct val="30000"/>
+              </a:spcBef>
+              <a:spcAft>
+                <a:spcPct val="0"/>
+              </a:spcAft>
+              <a:buClrTx/>
+              <a:buSzTx/>
+              <a:buFontTx/>
+              <a:buNone/>
+              <a:tabLst/>
+              <a:defRPr/>
+            </a:pPr>
+            <a:r>
+              <a:rPr lang="ru-RU" sz="1200" kern="1200" dirty="0">
+                <a:solidFill>
+                  <a:schemeClr val="tx1"/>
+                </a:solidFill>
+                <a:effectLst/>
+                <a:latin typeface="+mn-lt"/>
+                <a:ea typeface="+mn-ea"/>
+                <a:cs typeface="+mn-cs"/>
+              </a:rPr>
+              <a:t>мобильное приложение или веб‑клиент: удалённый доступ к системе для менеджеров по продажам и руководителей цехов;</a:t>
+            </a:r>
+            <a:endParaRPr lang="ru-BY" sz="1200" kern="1200" dirty="0">
+              <a:solidFill>
+                <a:schemeClr val="tx1"/>
+              </a:solidFill>
+              <a:effectLst/>
+              <a:latin typeface="+mn-lt"/>
+              <a:ea typeface="+mn-ea"/>
+              <a:cs typeface="+mn-cs"/>
+            </a:endParaRPr>
+          </a:p>
+          <a:p>
+            <a:pPr marL="0" marR="0" lvl="0" indent="0" algn="l" defTabSz="914400" rtl="0" eaLnBrk="1" fontAlgn="base" latinLnBrk="0" hangingPunct="1">
+              <a:lnSpc>
+                <a:spcPct val="100000"/>
+              </a:lnSpc>
+              <a:spcBef>
+                <a:spcPct val="30000"/>
+              </a:spcBef>
+              <a:spcAft>
+                <a:spcPct val="0"/>
+              </a:spcAft>
+              <a:buClrTx/>
+              <a:buSzTx/>
+              <a:buFontTx/>
+              <a:buNone/>
+              <a:tabLst/>
+              <a:defRPr/>
+            </a:pPr>
+            <a:r>
+              <a:rPr lang="ru-RU" sz="1200" kern="1200" dirty="0">
+                <a:solidFill>
+                  <a:schemeClr val="tx1"/>
+                </a:solidFill>
+                <a:effectLst/>
+                <a:latin typeface="+mn-lt"/>
+                <a:ea typeface="+mn-ea"/>
+                <a:cs typeface="+mn-cs"/>
+              </a:rPr>
+              <a:t>автоматизация учёта по штрих‑кодам: использование сканеров для приёмки материалов и списания готовой продукции.</a:t>
+            </a:r>
+            <a:endParaRPr lang="ru-BY" sz="1200" kern="1200" dirty="0">
+              <a:solidFill>
+                <a:schemeClr val="tx1"/>
+              </a:solidFill>
+              <a:effectLst/>
+              <a:latin typeface="+mn-lt"/>
+              <a:ea typeface="+mn-ea"/>
+              <a:cs typeface="+mn-cs"/>
+            </a:endParaRPr>
+          </a:p>
+          <a:p>
+            <a:br>
+              <a:rPr lang="ru-RU" dirty="0"/>
+            </a:br>
+            <a:r>
+              <a:rPr lang="ru-RU" dirty="0"/>
+              <a:t>В результате реализации дипломного проекта разработано решение для учёта выпуска и реализации продукции, адаптированное к изменениям бизнес‑процессов ООО «Вактайм». Программа обеспечивает прозрачность данных, гибкость настройки и может быть расширена дополнительными модулями в будущем.</a:t>
+            </a:r>
+            <a:endParaRPr lang="ru-BY" dirty="0"/>
+          </a:p>
+        </p:txBody>
+      </p:sp>
+      <p:sp>
+        <p:nvSpPr>
+          <p:cNvPr id="4" name="Номер слайда 3"/>
+          <p:cNvSpPr>
+            <a:spLocks noGrp="1"/>
+          </p:cNvSpPr>
+          <p:nvPr>
+            <p:ph type="sldNum" sz="quarter" idx="5"/>
+          </p:nvPr>
+        </p:nvSpPr>
+        <p:spPr/>
+        <p:txBody>
+          <a:bodyPr/>
+          <a:lstStyle/>
+          <a:p>
+            <a:pPr>
+              <a:defRPr/>
+            </a:pPr>
+            <a:fld id="{0233D74C-3B00-498B-962A-150051E474E5}" type="slidenum">
+              <a:rPr lang="ru-RU" smtClean="0"/>
+              <a:pPr>
+                <a:defRPr/>
+              </a:pPr>
+              <a:t>13</a:t>
+            </a:fld>
+            <a:endParaRPr lang="ru-RU"/>
+          </a:p>
+        </p:txBody>
+      </p:sp>
+    </p:spTree>
+    <p:extLst>
+      <p:ext uri="{BB962C8B-B14F-4D97-AF65-F5344CB8AC3E}">
+        <p14:creationId xmlns:p14="http://schemas.microsoft.com/office/powerpoint/2010/main" val="812472698"/>
+      </p:ext>
+    </p:extLst>
+  </p:cSld>
+  <p:clrMapOvr>
+    <a:masterClrMapping/>
+  </p:clrMapOvr>
+</p:notes>
+</file>
+
+<file path=ppt/notesSlides/notesSlide2.xml><?xml version="1.0" encoding="utf-8"?>
+<p:notes xmlns:a="http://schemas.openxmlformats.org/drawingml/2006/main" xmlns:r="http://schemas.openxmlformats.org/officeDocument/2006/relationships" xmlns:p="http://schemas.openxmlformats.org/presentationml/2006/main">
+  <p:cSld>
+    <p:spTree>
+      <p:nvGrpSpPr>
+        <p:cNvPr id="1" name=""/>
+        <p:cNvGrpSpPr/>
+        <p:nvPr/>
+      </p:nvGrpSpPr>
+      <p:grpSpPr>
+        <a:xfrm>
+          <a:off x="0" y="0"/>
+          <a:ext cx="0" cy="0"/>
+          <a:chOff x="0" y="0"/>
+          <a:chExt cx="0" cy="0"/>
+        </a:xfrm>
+      </p:grpSpPr>
+      <p:sp>
+        <p:nvSpPr>
+          <p:cNvPr id="17409" name="Образ слайда 1"/>
+          <p:cNvSpPr>
+            <a:spLocks noGrp="1" noRot="1" noChangeAspect="1"/>
+          </p:cNvSpPr>
+          <p:nvPr>
+            <p:ph type="sldImg"/>
+          </p:nvPr>
+        </p:nvSpPr>
+        <p:spPr bwMode="auto">
+          <a:xfrm>
+            <a:off x="381000" y="685800"/>
+            <a:ext cx="6096000" cy="3429000"/>
+          </a:xfrm>
+          <a:noFill/>
+          <a:ln>
+            <a:solidFill>
+              <a:srgbClr val="000000"/>
+            </a:solidFill>
+            <a:miter lim="800000"/>
+            <a:headEnd/>
+            <a:tailEnd/>
+          </a:ln>
+        </p:spPr>
+      </p:sp>
+      <p:sp>
+        <p:nvSpPr>
+          <p:cNvPr id="17410" name="Заметки 2"/>
+          <p:cNvSpPr>
+            <a:spLocks noGrp="1"/>
+          </p:cNvSpPr>
+          <p:nvPr>
+            <p:ph type="body" idx="1"/>
+          </p:nvPr>
+        </p:nvSpPr>
+        <p:spPr bwMode="auto">
+          <a:noFill/>
+        </p:spPr>
+        <p:txBody>
+          <a:bodyPr wrap="square" numCol="1" anchor="t" anchorCtr="0" compatLnSpc="1">
+            <a:prstTxWarp prst="textNoShape">
+              <a:avLst/>
+            </a:prstTxWarp>
+          </a:bodyPr>
+          <a:lstStyle/>
+          <a:p>
+            <a:pPr>
+              <a:spcBef>
+                <a:spcPct val="0"/>
+              </a:spcBef>
+            </a:pPr>
+            <a:r>
+              <a:rPr lang="ru-RU" dirty="0"/>
+              <a:t>Целью проекта является разработка интуитивно понятного и надёжного программного обеспечения, которое позволит оптимизировать и упростить процесс учёта выпуска и реализации продукции на предприятии, обеспечив прозрачность данных и снижение трудозатрат на оформление отчётности.</a:t>
+            </a:r>
+          </a:p>
+          <a:p>
+            <a:pPr>
+              <a:spcBef>
+                <a:spcPct val="0"/>
+              </a:spcBef>
+            </a:pPr>
+            <a:endParaRPr lang="ru-RU" dirty="0"/>
+          </a:p>
+        </p:txBody>
+      </p:sp>
+      <p:sp>
+        <p:nvSpPr>
+          <p:cNvPr id="17411" name="Номер слайда 3"/>
+          <p:cNvSpPr>
+            <a:spLocks noGrp="1"/>
+          </p:cNvSpPr>
+          <p:nvPr>
+            <p:ph type="sldNum" sz="quarter" idx="5"/>
+          </p:nvPr>
+        </p:nvSpPr>
+        <p:spPr bwMode="auto">
+          <a:noFill/>
+          <a:ln>
+            <a:miter lim="800000"/>
+            <a:headEnd/>
+            <a:tailEnd/>
+          </a:ln>
+        </p:spPr>
+        <p:txBody>
+          <a:bodyPr wrap="square" numCol="1" anchorCtr="0" compatLnSpc="1">
+            <a:prstTxWarp prst="textNoShape">
+              <a:avLst/>
+            </a:prstTxWarp>
+          </a:bodyPr>
+          <a:lstStyle/>
+          <a:p>
+            <a:pPr fontAlgn="base">
+              <a:spcBef>
+                <a:spcPct val="0"/>
+              </a:spcBef>
+              <a:spcAft>
+                <a:spcPct val="0"/>
+              </a:spcAft>
+            </a:pPr>
+            <a:fld id="{24C19985-3EFE-40C4-B61B-FA3F079D13C3}" type="slidenum">
+              <a:rPr lang="ru-RU"/>
+              <a:pPr fontAlgn="base">
+                <a:spcBef>
+                  <a:spcPct val="0"/>
+                </a:spcBef>
+                <a:spcAft>
+                  <a:spcPct val="0"/>
+                </a:spcAft>
+              </a:pPr>
+              <a:t>2</a:t>
+            </a:fld>
+            <a:endParaRPr lang="ru-RU"/>
+          </a:p>
+        </p:txBody>
+      </p:sp>
+    </p:spTree>
+  </p:cSld>
+  <p:clrMapOvr>
+    <a:masterClrMapping/>
+  </p:clrMapOvr>
+</p:notes>
+</file>
+
+<file path=ppt/notesSlides/notesSlide3.xml><?xml version="1.0" encoding="utf-8"?>
+<p:notes xmlns:a="http://schemas.openxmlformats.org/drawingml/2006/main" xmlns:r="http://schemas.openxmlformats.org/officeDocument/2006/relationships" xmlns:p="http://schemas.openxmlformats.org/presentationml/2006/main">
+  <p:cSld>
+    <p:spTree>
+      <p:nvGrpSpPr>
+        <p:cNvPr id="1" name=""/>
+        <p:cNvGrpSpPr/>
+        <p:nvPr/>
+      </p:nvGrpSpPr>
+      <p:grpSpPr>
+        <a:xfrm>
+          <a:off x="0" y="0"/>
+          <a:ext cx="0" cy="0"/>
+          <a:chOff x="0" y="0"/>
+          <a:chExt cx="0" cy="0"/>
+        </a:xfrm>
+      </p:grpSpPr>
+      <p:sp>
+        <p:nvSpPr>
+          <p:cNvPr id="19457" name="Образ слайда 1"/>
+          <p:cNvSpPr>
+            <a:spLocks noGrp="1" noRot="1" noChangeAspect="1"/>
+          </p:cNvSpPr>
+          <p:nvPr>
+            <p:ph type="sldImg"/>
+          </p:nvPr>
+        </p:nvSpPr>
+        <p:spPr bwMode="auto">
+          <a:xfrm>
+            <a:off x="381000" y="685800"/>
+            <a:ext cx="6096000" cy="3429000"/>
+          </a:xfrm>
+          <a:noFill/>
+          <a:ln>
+            <a:solidFill>
+              <a:srgbClr val="000000"/>
+            </a:solidFill>
+            <a:miter lim="800000"/>
+            <a:headEnd/>
+            <a:tailEnd/>
+          </a:ln>
+        </p:spPr>
+      </p:sp>
+      <p:sp>
+        <p:nvSpPr>
+          <p:cNvPr id="3" name="Заметки 2"/>
+          <p:cNvSpPr>
+            <a:spLocks noGrp="1"/>
+          </p:cNvSpPr>
+          <p:nvPr>
+            <p:ph type="body" idx="1"/>
+          </p:nvPr>
+        </p:nvSpPr>
+        <p:spPr/>
+        <p:txBody>
+          <a:bodyPr/>
+          <a:lstStyle/>
+          <a:p>
+            <a:pPr fontAlgn="auto">
+              <a:spcBef>
+                <a:spcPts val="0"/>
+              </a:spcBef>
+              <a:spcAft>
+                <a:spcPts val="0"/>
+              </a:spcAft>
+              <a:defRPr/>
+            </a:pPr>
+            <a:endParaRPr lang="ru-RU" dirty="0"/>
+          </a:p>
+        </p:txBody>
+      </p:sp>
+      <p:sp>
+        <p:nvSpPr>
+          <p:cNvPr id="19459" name="Номер слайда 3"/>
+          <p:cNvSpPr>
+            <a:spLocks noGrp="1"/>
+          </p:cNvSpPr>
+          <p:nvPr>
+            <p:ph type="sldNum" sz="quarter" idx="5"/>
+          </p:nvPr>
+        </p:nvSpPr>
+        <p:spPr bwMode="auto">
+          <a:noFill/>
+          <a:ln>
+            <a:miter lim="800000"/>
+            <a:headEnd/>
+            <a:tailEnd/>
+          </a:ln>
+        </p:spPr>
+        <p:txBody>
+          <a:bodyPr wrap="square" numCol="1" anchorCtr="0" compatLnSpc="1">
+            <a:prstTxWarp prst="textNoShape">
+              <a:avLst/>
+            </a:prstTxWarp>
+          </a:bodyPr>
+          <a:lstStyle/>
+          <a:p>
+            <a:pPr fontAlgn="base">
+              <a:spcBef>
+                <a:spcPct val="0"/>
+              </a:spcBef>
+              <a:spcAft>
+                <a:spcPct val="0"/>
+              </a:spcAft>
+            </a:pPr>
+            <a:fld id="{5079D24B-52AE-4209-B380-7AF9A1FC661B}" type="slidenum">
+              <a:rPr lang="ru-RU"/>
+              <a:pPr fontAlgn="base">
+                <a:spcBef>
+                  <a:spcPct val="0"/>
+                </a:spcBef>
+                <a:spcAft>
+                  <a:spcPct val="0"/>
+                </a:spcAft>
+              </a:pPr>
+              <a:t>3</a:t>
+            </a:fld>
+            <a:endParaRPr lang="ru-RU"/>
+          </a:p>
+        </p:txBody>
+      </p:sp>
+    </p:spTree>
+  </p:cSld>
+  <p:clrMapOvr>
+    <a:masterClrMapping/>
+  </p:clrMapOvr>
+</p:notes>
+</file>
+
+<file path=ppt/notesSlides/notesSlide4.xml><?xml version="1.0" encoding="utf-8"?>
+<p:notes xmlns:a="http://schemas.openxmlformats.org/drawingml/2006/main" xmlns:r="http://schemas.openxmlformats.org/officeDocument/2006/relationships" xmlns:p="http://schemas.openxmlformats.org/presentationml/2006/main">
+  <p:cSld>
+    <p:spTree>
+      <p:nvGrpSpPr>
+        <p:cNvPr id="1" name=""/>
+        <p:cNvGrpSpPr/>
+        <p:nvPr/>
+      </p:nvGrpSpPr>
+      <p:grpSpPr>
+        <a:xfrm>
+          <a:off x="0" y="0"/>
+          <a:ext cx="0" cy="0"/>
+          <a:chOff x="0" y="0"/>
+          <a:chExt cx="0" cy="0"/>
+        </a:xfrm>
+      </p:grpSpPr>
+      <p:sp>
+        <p:nvSpPr>
+          <p:cNvPr id="21505" name="Образ слайда 1"/>
+          <p:cNvSpPr>
+            <a:spLocks noGrp="1" noRot="1" noChangeAspect="1"/>
+          </p:cNvSpPr>
+          <p:nvPr>
+            <p:ph type="sldImg"/>
+          </p:nvPr>
+        </p:nvSpPr>
+        <p:spPr bwMode="auto">
+          <a:xfrm>
+            <a:off x="381000" y="685800"/>
+            <a:ext cx="6096000" cy="3429000"/>
+          </a:xfrm>
+          <a:noFill/>
+          <a:ln>
+            <a:solidFill>
+              <a:srgbClr val="000000"/>
+            </a:solidFill>
+            <a:miter lim="800000"/>
+            <a:headEnd/>
+            <a:tailEnd/>
+          </a:ln>
+        </p:spPr>
+      </p:sp>
+      <p:sp>
+        <p:nvSpPr>
+          <p:cNvPr id="3" name="Заметки 2"/>
+          <p:cNvSpPr>
+            <a:spLocks noGrp="1"/>
+          </p:cNvSpPr>
+          <p:nvPr>
+            <p:ph type="body" idx="1"/>
+          </p:nvPr>
+        </p:nvSpPr>
+        <p:spPr/>
+        <p:txBody>
+          <a:bodyPr/>
+          <a:lstStyle/>
+          <a:p>
+            <a:pPr marL="82550" indent="0">
+              <a:buNone/>
+            </a:pPr>
+            <a:endParaRPr lang="ru-RU" dirty="0">
+              <a:latin typeface="Times New Roman" pitchFamily="18" charset="0"/>
+              <a:cs typeface="Times New Roman" pitchFamily="18" charset="0"/>
+            </a:endParaRPr>
+          </a:p>
+        </p:txBody>
+      </p:sp>
+      <p:sp>
+        <p:nvSpPr>
+          <p:cNvPr id="21507" name="Номер слайда 3"/>
+          <p:cNvSpPr>
+            <a:spLocks noGrp="1"/>
+          </p:cNvSpPr>
+          <p:nvPr>
+            <p:ph type="sldNum" sz="quarter" idx="5"/>
+          </p:nvPr>
+        </p:nvSpPr>
+        <p:spPr bwMode="auto">
+          <a:noFill/>
+          <a:ln>
+            <a:miter lim="800000"/>
+            <a:headEnd/>
+            <a:tailEnd/>
+          </a:ln>
+        </p:spPr>
+        <p:txBody>
+          <a:bodyPr wrap="square" numCol="1" anchorCtr="0" compatLnSpc="1">
+            <a:prstTxWarp prst="textNoShape">
+              <a:avLst/>
+            </a:prstTxWarp>
+          </a:bodyPr>
+          <a:lstStyle/>
+          <a:p>
+            <a:pPr fontAlgn="base">
+              <a:spcBef>
+                <a:spcPct val="0"/>
+              </a:spcBef>
+              <a:spcAft>
+                <a:spcPct val="0"/>
+              </a:spcAft>
+            </a:pPr>
+            <a:fld id="{AF45E9C8-6DFB-48CE-A9BB-1BB93442F180}" type="slidenum">
+              <a:rPr lang="ru-RU"/>
+              <a:pPr fontAlgn="base">
+                <a:spcBef>
+                  <a:spcPct val="0"/>
+                </a:spcBef>
+                <a:spcAft>
+                  <a:spcPct val="0"/>
+                </a:spcAft>
+              </a:pPr>
+              <a:t>4</a:t>
+            </a:fld>
+            <a:endParaRPr lang="ru-RU"/>
+          </a:p>
+        </p:txBody>
+      </p:sp>
+    </p:spTree>
+  </p:cSld>
+  <p:clrMapOvr>
+    <a:masterClrMapping/>
+  </p:clrMapOvr>
+</p:notes>
+</file>
+
+<file path=ppt/notesSlides/notesSlide5.xml><?xml version="1.0" encoding="utf-8"?>
+<p:notes xmlns:a="http://schemas.openxmlformats.org/drawingml/2006/main" xmlns:r="http://schemas.openxmlformats.org/officeDocument/2006/relationships" xmlns:p="http://schemas.openxmlformats.org/presentationml/2006/main">
+  <p:cSld>
+    <p:spTree>
+      <p:nvGrpSpPr>
+        <p:cNvPr id="1" name=""/>
+        <p:cNvGrpSpPr/>
+        <p:nvPr/>
+      </p:nvGrpSpPr>
+      <p:grpSpPr>
+        <a:xfrm>
+          <a:off x="0" y="0"/>
+          <a:ext cx="0" cy="0"/>
+          <a:chOff x="0" y="0"/>
+          <a:chExt cx="0" cy="0"/>
+        </a:xfrm>
+      </p:grpSpPr>
+      <p:sp>
+        <p:nvSpPr>
+          <p:cNvPr id="2" name="Образ слайда 1"/>
+          <p:cNvSpPr>
+            <a:spLocks noGrp="1" noRot="1" noChangeAspect="1"/>
+          </p:cNvSpPr>
+          <p:nvPr>
+            <p:ph type="sldImg"/>
+          </p:nvPr>
+        </p:nvSpPr>
+        <p:spPr>
+          <a:xfrm>
+            <a:off x="381000" y="685800"/>
+            <a:ext cx="6096000" cy="3429000"/>
+          </a:xfrm>
+        </p:spPr>
+      </p:sp>
+      <p:sp>
+        <p:nvSpPr>
+          <p:cNvPr id="3" name="Заметки 2"/>
+          <p:cNvSpPr>
+            <a:spLocks noGrp="1"/>
+          </p:cNvSpPr>
+          <p:nvPr>
+            <p:ph type="body" idx="1"/>
+          </p:nvPr>
+        </p:nvSpPr>
+        <p:spPr/>
+        <p:txBody>
+          <a:bodyPr/>
+          <a:lstStyle/>
+          <a:p>
+            <a:endParaRPr lang="ru-RU" dirty="0"/>
+          </a:p>
+        </p:txBody>
+      </p:sp>
+      <p:sp>
+        <p:nvSpPr>
+          <p:cNvPr id="4" name="Номер слайда 3"/>
+          <p:cNvSpPr>
+            <a:spLocks noGrp="1"/>
+          </p:cNvSpPr>
+          <p:nvPr>
+            <p:ph type="sldNum" sz="quarter" idx="10"/>
+          </p:nvPr>
+        </p:nvSpPr>
+        <p:spPr/>
+        <p:txBody>
+          <a:bodyPr/>
+          <a:lstStyle/>
+          <a:p>
+            <a:pPr>
+              <a:defRPr/>
+            </a:pPr>
+            <a:fld id="{0233D74C-3B00-498B-962A-150051E474E5}" type="slidenum">
+              <a:rPr lang="ru-RU" smtClean="0"/>
+              <a:pPr>
+                <a:defRPr/>
+              </a:pPr>
+              <a:t>5</a:t>
+            </a:fld>
+            <a:endParaRPr lang="ru-RU"/>
+          </a:p>
+        </p:txBody>
+      </p:sp>
+    </p:spTree>
+    <p:extLst>
+      <p:ext uri="{BB962C8B-B14F-4D97-AF65-F5344CB8AC3E}">
+        <p14:creationId xmlns:p14="http://schemas.microsoft.com/office/powerpoint/2010/main" val="3646877137"/>
+      </p:ext>
+    </p:extLst>
+  </p:cSld>
+  <p:clrMapOvr>
+    <a:masterClrMapping/>
+  </p:clrMapOvr>
+</p:notes>
+</file>
+
+<file path=ppt/notesSlides/notesSlide6.xml><?xml version="1.0" encoding="utf-8"?>
+<p:notes xmlns:a="http://schemas.openxmlformats.org/drawingml/2006/main" xmlns:r="http://schemas.openxmlformats.org/officeDocument/2006/relationships" xmlns:p="http://schemas.openxmlformats.org/presentationml/2006/main">
+  <p:cSld>
+    <p:spTree>
+      <p:nvGrpSpPr>
+        <p:cNvPr id="1" name=""/>
+        <p:cNvGrpSpPr/>
+        <p:nvPr/>
+      </p:nvGrpSpPr>
+      <p:grpSpPr>
+        <a:xfrm>
+          <a:off x="0" y="0"/>
+          <a:ext cx="0" cy="0"/>
+          <a:chOff x="0" y="0"/>
+          <a:chExt cx="0" cy="0"/>
+        </a:xfrm>
+      </p:grpSpPr>
+      <p:sp>
+        <p:nvSpPr>
+          <p:cNvPr id="2" name="Образ слайда 1"/>
+          <p:cNvSpPr>
+            <a:spLocks noGrp="1" noRot="1" noChangeAspect="1"/>
+          </p:cNvSpPr>
+          <p:nvPr>
+            <p:ph type="sldImg"/>
+          </p:nvPr>
+        </p:nvSpPr>
+        <p:spPr/>
+      </p:sp>
+      <p:sp>
+        <p:nvSpPr>
+          <p:cNvPr id="3" name="Заметки 2"/>
+          <p:cNvSpPr>
+            <a:spLocks noGrp="1"/>
+          </p:cNvSpPr>
+          <p:nvPr>
+            <p:ph type="body" idx="1"/>
+          </p:nvPr>
+        </p:nvSpPr>
+        <p:spPr/>
+        <p:txBody>
+          <a:bodyPr/>
+          <a:lstStyle/>
+          <a:p>
+            <a:r>
+              <a:rPr lang="ru-RU" dirty="0"/>
+              <a:t>Окно авторизации обеспечивает надёжный вход в систему: пользователь вводит логин и пароль, после чего происходит проверка данных и предоставление доступа к функционалу. Главное окно объединяет основные модули и меню навигации, позволяя быстро переключаться между справочниками и отчётами.</a:t>
+            </a:r>
+            <a:endParaRPr lang="ru-BY" dirty="0"/>
+          </a:p>
+        </p:txBody>
+      </p:sp>
+      <p:sp>
+        <p:nvSpPr>
+          <p:cNvPr id="4" name="Номер слайда 3"/>
+          <p:cNvSpPr>
+            <a:spLocks noGrp="1"/>
+          </p:cNvSpPr>
+          <p:nvPr>
+            <p:ph type="sldNum" sz="quarter" idx="5"/>
+          </p:nvPr>
+        </p:nvSpPr>
+        <p:spPr/>
+        <p:txBody>
+          <a:bodyPr/>
+          <a:lstStyle/>
+          <a:p>
+            <a:pPr>
+              <a:defRPr/>
+            </a:pPr>
+            <a:fld id="{0233D74C-3B00-498B-962A-150051E474E5}" type="slidenum">
+              <a:rPr lang="ru-RU" smtClean="0"/>
+              <a:pPr>
+                <a:defRPr/>
+              </a:pPr>
+              <a:t>6</a:t>
+            </a:fld>
+            <a:endParaRPr lang="ru-RU"/>
+          </a:p>
+        </p:txBody>
+      </p:sp>
+    </p:spTree>
+    <p:extLst>
+      <p:ext uri="{BB962C8B-B14F-4D97-AF65-F5344CB8AC3E}">
+        <p14:creationId xmlns:p14="http://schemas.microsoft.com/office/powerpoint/2010/main" val="3910076922"/>
+      </p:ext>
+    </p:extLst>
+  </p:cSld>
+  <p:clrMapOvr>
+    <a:masterClrMapping/>
+  </p:clrMapOvr>
+</p:notes>
+</file>
+
+<file path=ppt/notesSlides/notesSlide7.xml><?xml version="1.0" encoding="utf-8"?>
+<p:notes xmlns:a="http://schemas.openxmlformats.org/drawingml/2006/main" xmlns:r="http://schemas.openxmlformats.org/officeDocument/2006/relationships" xmlns:p="http://schemas.openxmlformats.org/presentationml/2006/main">
+  <p:cSld>
+    <p:spTree>
+      <p:nvGrpSpPr>
+        <p:cNvPr id="1" name=""/>
+        <p:cNvGrpSpPr/>
+        <p:nvPr/>
+      </p:nvGrpSpPr>
+      <p:grpSpPr>
+        <a:xfrm>
+          <a:off x="0" y="0"/>
+          <a:ext cx="0" cy="0"/>
+          <a:chOff x="0" y="0"/>
+          <a:chExt cx="0" cy="0"/>
+        </a:xfrm>
+      </p:grpSpPr>
+      <p:sp>
+        <p:nvSpPr>
+          <p:cNvPr id="2" name="Образ слайда 1"/>
+          <p:cNvSpPr>
+            <a:spLocks noGrp="1" noRot="1" noChangeAspect="1"/>
+          </p:cNvSpPr>
+          <p:nvPr>
+            <p:ph type="sldImg"/>
+          </p:nvPr>
+        </p:nvSpPr>
+        <p:spPr/>
+      </p:sp>
+      <p:sp>
+        <p:nvSpPr>
+          <p:cNvPr id="3" name="Заметки 2"/>
+          <p:cNvSpPr>
+            <a:spLocks noGrp="1"/>
+          </p:cNvSpPr>
+          <p:nvPr>
+            <p:ph type="body" idx="1"/>
+          </p:nvPr>
+        </p:nvSpPr>
+        <p:spPr/>
+        <p:txBody>
+          <a:bodyPr/>
+          <a:lstStyle/>
+          <a:p>
+            <a:r>
+              <a:rPr lang="ru-RU" dirty="0"/>
+              <a:t>В окне справочника материалов пользователь может создавать, редактировать и удалять записи о сырье и компонентах, необходимых для производства. Для каждого материала задаются наименование, единица измерения и цена, что является основой расчёта себестоимости продукции.</a:t>
+            </a:r>
+            <a:endParaRPr lang="ru-BY" dirty="0"/>
+          </a:p>
+        </p:txBody>
+      </p:sp>
+      <p:sp>
+        <p:nvSpPr>
+          <p:cNvPr id="4" name="Номер слайда 3"/>
+          <p:cNvSpPr>
+            <a:spLocks noGrp="1"/>
+          </p:cNvSpPr>
+          <p:nvPr>
+            <p:ph type="sldNum" sz="quarter" idx="5"/>
+          </p:nvPr>
+        </p:nvSpPr>
+        <p:spPr/>
+        <p:txBody>
+          <a:bodyPr/>
+          <a:lstStyle/>
+          <a:p>
+            <a:pPr>
+              <a:defRPr/>
+            </a:pPr>
+            <a:fld id="{0233D74C-3B00-498B-962A-150051E474E5}" type="slidenum">
+              <a:rPr lang="ru-RU" smtClean="0"/>
+              <a:pPr>
+                <a:defRPr/>
+              </a:pPr>
+              <a:t>7</a:t>
+            </a:fld>
+            <a:endParaRPr lang="ru-RU"/>
+          </a:p>
+        </p:txBody>
+      </p:sp>
+    </p:spTree>
+    <p:extLst>
+      <p:ext uri="{BB962C8B-B14F-4D97-AF65-F5344CB8AC3E}">
+        <p14:creationId xmlns:p14="http://schemas.microsoft.com/office/powerpoint/2010/main" val="883880324"/>
+      </p:ext>
+    </p:extLst>
+  </p:cSld>
+  <p:clrMapOvr>
+    <a:masterClrMapping/>
+  </p:clrMapOvr>
+</p:notes>
+</file>
+
+<file path=ppt/notesSlides/notesSlide8.xml><?xml version="1.0" encoding="utf-8"?>
+<p:notes xmlns:a="http://schemas.openxmlformats.org/drawingml/2006/main" xmlns:r="http://schemas.openxmlformats.org/officeDocument/2006/relationships" xmlns:p="http://schemas.openxmlformats.org/presentationml/2006/main">
+  <p:cSld>
+    <p:spTree>
+      <p:nvGrpSpPr>
+        <p:cNvPr id="1" name=""/>
+        <p:cNvGrpSpPr/>
+        <p:nvPr/>
+      </p:nvGrpSpPr>
+      <p:grpSpPr>
+        <a:xfrm>
+          <a:off x="0" y="0"/>
+          <a:ext cx="0" cy="0"/>
+          <a:chOff x="0" y="0"/>
+          <a:chExt cx="0" cy="0"/>
+        </a:xfrm>
+      </p:grpSpPr>
+      <p:sp>
+        <p:nvSpPr>
+          <p:cNvPr id="2" name="Образ слайда 1"/>
+          <p:cNvSpPr>
+            <a:spLocks noGrp="1" noRot="1" noChangeAspect="1"/>
+          </p:cNvSpPr>
+          <p:nvPr>
+            <p:ph type="sldImg"/>
+          </p:nvPr>
+        </p:nvSpPr>
+        <p:spPr/>
+      </p:sp>
+      <p:sp>
+        <p:nvSpPr>
+          <p:cNvPr id="3" name="Заметки 2"/>
+          <p:cNvSpPr>
+            <a:spLocks noGrp="1"/>
+          </p:cNvSpPr>
+          <p:nvPr>
+            <p:ph type="body" idx="1"/>
+          </p:nvPr>
+        </p:nvSpPr>
+        <p:spPr/>
+        <p:txBody>
+          <a:bodyPr/>
+          <a:lstStyle/>
+          <a:p>
+            <a:r>
+              <a:rPr lang="ru-RU" dirty="0"/>
+              <a:t>Окно договоров предназначено для оформления новых договоров на реализацию продукции. Пользователь выбирает контрагента из справочника, указывает срок исполнения и необходимое количество продукции. Все данные сохраняются в базе и используются при дальнейшем оформлении накладных и отчётности.</a:t>
+            </a:r>
+            <a:endParaRPr lang="ru-BY" dirty="0"/>
+          </a:p>
+        </p:txBody>
+      </p:sp>
+      <p:sp>
+        <p:nvSpPr>
+          <p:cNvPr id="4" name="Номер слайда 3"/>
+          <p:cNvSpPr>
+            <a:spLocks noGrp="1"/>
+          </p:cNvSpPr>
+          <p:nvPr>
+            <p:ph type="sldNum" sz="quarter" idx="5"/>
+          </p:nvPr>
+        </p:nvSpPr>
+        <p:spPr/>
+        <p:txBody>
+          <a:bodyPr/>
+          <a:lstStyle/>
+          <a:p>
+            <a:pPr>
+              <a:defRPr/>
+            </a:pPr>
+            <a:fld id="{0233D74C-3B00-498B-962A-150051E474E5}" type="slidenum">
+              <a:rPr lang="ru-RU" smtClean="0"/>
+              <a:pPr>
+                <a:defRPr/>
+              </a:pPr>
+              <a:t>8</a:t>
+            </a:fld>
+            <a:endParaRPr lang="ru-RU"/>
+          </a:p>
+        </p:txBody>
+      </p:sp>
+    </p:spTree>
+    <p:extLst>
+      <p:ext uri="{BB962C8B-B14F-4D97-AF65-F5344CB8AC3E}">
+        <p14:creationId xmlns:p14="http://schemas.microsoft.com/office/powerpoint/2010/main" val="45025623"/>
+      </p:ext>
+    </p:extLst>
+  </p:cSld>
+  <p:clrMapOvr>
+    <a:masterClrMapping/>
+  </p:clrMapOvr>
+</p:notes>
+</file>
+
+<file path=ppt/notesSlides/notesSlide9.xml><?xml version="1.0" encoding="utf-8"?>
+<p:notes xmlns:a="http://schemas.openxmlformats.org/drawingml/2006/main" xmlns:r="http://schemas.openxmlformats.org/officeDocument/2006/relationships" xmlns:p="http://schemas.openxmlformats.org/presentationml/2006/main">
+  <p:cSld>
+    <p:spTree>
+      <p:nvGrpSpPr>
+        <p:cNvPr id="1" name=""/>
+        <p:cNvGrpSpPr/>
+        <p:nvPr/>
+      </p:nvGrpSpPr>
+      <p:grpSpPr>
+        <a:xfrm>
+          <a:off x="0" y="0"/>
+          <a:ext cx="0" cy="0"/>
+          <a:chOff x="0" y="0"/>
+          <a:chExt cx="0" cy="0"/>
+        </a:xfrm>
+      </p:grpSpPr>
+      <p:sp>
+        <p:nvSpPr>
+          <p:cNvPr id="2" name="Образ слайда 1"/>
+          <p:cNvSpPr>
+            <a:spLocks noGrp="1" noRot="1" noChangeAspect="1"/>
+          </p:cNvSpPr>
+          <p:nvPr>
+            <p:ph type="sldImg"/>
+          </p:nvPr>
+        </p:nvSpPr>
+        <p:spPr/>
+      </p:sp>
+      <p:sp>
+        <p:nvSpPr>
+          <p:cNvPr id="3" name="Заметки 2"/>
+          <p:cNvSpPr>
+            <a:spLocks noGrp="1"/>
+          </p:cNvSpPr>
+          <p:nvPr>
+            <p:ph type="body" idx="1"/>
+          </p:nvPr>
+        </p:nvSpPr>
+        <p:spPr/>
+        <p:txBody>
+          <a:bodyPr/>
+          <a:lstStyle/>
+          <a:p>
+            <a:r>
+              <a:rPr lang="ru-RU" dirty="0"/>
+              <a:t>Окно печати</a:t>
+            </a:r>
+            <a:r>
+              <a:rPr lang="en-US" dirty="0"/>
+              <a:t> </a:t>
+            </a:r>
+            <a:r>
+              <a:rPr lang="ru-RU" dirty="0"/>
+              <a:t>документов предназначено для формирования текстовых бланков в формате PDF: все поля заполняются данными из базы, после чего документ можно распечатать или экспортировать для передачи контрагенту.</a:t>
+            </a:r>
+            <a:endParaRPr lang="ru-BY" dirty="0"/>
+          </a:p>
+        </p:txBody>
+      </p:sp>
+      <p:sp>
+        <p:nvSpPr>
+          <p:cNvPr id="4" name="Номер слайда 3"/>
+          <p:cNvSpPr>
+            <a:spLocks noGrp="1"/>
+          </p:cNvSpPr>
+          <p:nvPr>
+            <p:ph type="sldNum" sz="quarter" idx="5"/>
+          </p:nvPr>
+        </p:nvSpPr>
+        <p:spPr/>
+        <p:txBody>
+          <a:bodyPr/>
+          <a:lstStyle/>
+          <a:p>
+            <a:pPr>
+              <a:defRPr/>
+            </a:pPr>
+            <a:fld id="{0233D74C-3B00-498B-962A-150051E474E5}" type="slidenum">
+              <a:rPr lang="ru-RU" smtClean="0"/>
+              <a:pPr>
+                <a:defRPr/>
+              </a:pPr>
+              <a:t>9</a:t>
+            </a:fld>
+            <a:endParaRPr lang="ru-RU"/>
+          </a:p>
+        </p:txBody>
+      </p:sp>
+    </p:spTree>
+    <p:extLst>
+      <p:ext uri="{BB962C8B-B14F-4D97-AF65-F5344CB8AC3E}">
+        <p14:creationId xmlns:p14="http://schemas.microsoft.com/office/powerpoint/2010/main" val="4081077314"/>
+      </p:ext>
+    </p:extLst>
+  </p:cSld>
+  <p:clrMapOvr>
+    <a:masterClrMapping/>
+  </p:clrMapOvr>
+</p:notes>
+</file>
+
 <file path=ppt/slideLayouts/slideLayout1.xml><?xml version="1.0" encoding="utf-8"?>
 <p:sldLayout xmlns:a="http://schemas.openxmlformats.org/drawingml/2006/main" xmlns:r="http://schemas.openxmlformats.org/officeDocument/2006/relationships" xmlns:p="http://schemas.openxmlformats.org/presentationml/2006/main" type="title" preserve="1">
   <p:cSld name="Титульный слайд">
@@ -1915,7 +2541,7 @@
               <a:pPr>
                 <a:defRPr/>
               </a:pPr>
-              <a:t>19.06.2025</a:t>
+              <a:t>26.06.2025</a:t>
             </a:fld>
             <a:endParaRPr lang="ru-RU"/>
           </a:p>
@@ -2100,7 +2726,7 @@
               <a:pPr>
                 <a:defRPr/>
               </a:pPr>
-              <a:t>19.06.2025</a:t>
+              <a:t>26.06.2025</a:t>
             </a:fld>
             <a:endParaRPr lang="ru-RU"/>
           </a:p>
@@ -2295,7 +2921,7 @@
               <a:pPr>
                 <a:defRPr/>
               </a:pPr>
-              <a:t>19.06.2025</a:t>
+              <a:t>26.06.2025</a:t>
             </a:fld>
             <a:endParaRPr lang="ru-RU"/>
           </a:p>
@@ -2480,7 +3106,7 @@
               <a:pPr>
                 <a:defRPr/>
               </a:pPr>
-              <a:t>19.06.2025</a:t>
+              <a:t>26.06.2025</a:t>
             </a:fld>
             <a:endParaRPr lang="ru-RU"/>
           </a:p>
@@ -2741,7 +3367,7 @@
               <a:pPr>
                 <a:defRPr/>
               </a:pPr>
-              <a:t>19.06.2025</a:t>
+              <a:t>26.06.2025</a:t>
             </a:fld>
             <a:endParaRPr lang="ru-RU"/>
           </a:p>
@@ -2988,7 +3614,7 @@
               <a:pPr>
                 <a:defRPr/>
               </a:pPr>
-              <a:t>19.06.2025</a:t>
+              <a:t>26.06.2025</a:t>
             </a:fld>
             <a:endParaRPr lang="ru-RU"/>
           </a:p>
@@ -3370,7 +3996,7 @@
               <a:pPr>
                 <a:defRPr/>
               </a:pPr>
-              <a:t>19.06.2025</a:t>
+              <a:t>26.06.2025</a:t>
             </a:fld>
             <a:endParaRPr lang="ru-RU"/>
           </a:p>
@@ -3503,7 +4129,7 @@
               <a:pPr>
                 <a:defRPr/>
               </a:pPr>
-              <a:t>19.06.2025</a:t>
+              <a:t>26.06.2025</a:t>
             </a:fld>
             <a:endParaRPr lang="ru-RU"/>
           </a:p>
@@ -3613,7 +4239,7 @@
               <a:pPr>
                 <a:defRPr/>
               </a:pPr>
-              <a:t>19.06.2025</a:t>
+              <a:t>26.06.2025</a:t>
             </a:fld>
             <a:endParaRPr lang="ru-RU"/>
           </a:p>
@@ -3905,7 +4531,7 @@
               <a:pPr>
                 <a:defRPr/>
               </a:pPr>
-              <a:t>19.06.2025</a:t>
+              <a:t>26.06.2025</a:t>
             </a:fld>
             <a:endParaRPr lang="ru-RU"/>
           </a:p>
@@ -4177,7 +4803,7 @@
               <a:pPr>
                 <a:defRPr/>
               </a:pPr>
-              <a:t>19.06.2025</a:t>
+              <a:t>26.06.2025</a:t>
             </a:fld>
             <a:endParaRPr lang="ru-RU"/>
           </a:p>
@@ -4405,7 +5031,7 @@
               <a:pPr>
                 <a:defRPr/>
               </a:pPr>
-              <a:t>19.06.2025</a:t>
+              <a:t>26.06.2025</a:t>
             </a:fld>
             <a:endParaRPr lang="ru-RU"/>
           </a:p>
@@ -5684,47 +6310,6 @@
       </p:grpSpPr>
       <p:sp>
         <p:nvSpPr>
-          <p:cNvPr id="2" name="Заголовок 1">
-            <a:extLst>
-              <a:ext uri="{FF2B5EF4-FFF2-40B4-BE49-F238E27FC236}">
-                <a16:creationId xmlns:a16="http://schemas.microsoft.com/office/drawing/2014/main" id="{B54CA1D2-3FC7-4629-880F-5B0DE5CDF5FC}"/>
-              </a:ext>
-            </a:extLst>
-          </p:cNvPr>
-          <p:cNvSpPr>
-            <a:spLocks noGrp="1"/>
-          </p:cNvSpPr>
-          <p:nvPr>
-            <p:ph type="title"/>
-          </p:nvPr>
-        </p:nvSpPr>
-        <p:spPr>
-          <a:xfrm>
-            <a:off x="2152650" y="-3604"/>
-            <a:ext cx="7886700" cy="1325563"/>
-          </a:xfrm>
-        </p:spPr>
-        <p:txBody>
-          <a:bodyPr/>
-          <a:lstStyle/>
-          <a:p>
-            <a:pPr algn="ctr"/>
-            <a:r>
-              <a:rPr lang="ru-RU" sz="3600" b="1" dirty="0">
-                <a:latin typeface="Times New Roman" panose="02020603050405020304" pitchFamily="18" charset="0"/>
-                <a:cs typeface="Times New Roman" panose="02020603050405020304" pitchFamily="18" charset="0"/>
-              </a:rPr>
-              <a:t>Окна программы</a:t>
-            </a:r>
-            <a:endParaRPr lang="ru-BY" b="1" dirty="0">
-              <a:latin typeface="Times New Roman" panose="02020603050405020304" pitchFamily="18" charset="0"/>
-              <a:cs typeface="Times New Roman" panose="02020603050405020304" pitchFamily="18" charset="0"/>
-            </a:endParaRPr>
-          </a:p>
-        </p:txBody>
-      </p:sp>
-      <p:sp>
-        <p:nvSpPr>
           <p:cNvPr id="7" name="TextBox 6">
             <a:extLst>
               <a:ext uri="{FF2B5EF4-FFF2-40B4-BE49-F238E27FC236}">
@@ -5737,8 +6322,8 @@
         </p:nvSpPr>
         <p:spPr>
           <a:xfrm>
-            <a:off x="3107667" y="5935588"/>
-            <a:ext cx="5976664" cy="461665"/>
+            <a:off x="2836586" y="6021288"/>
+            <a:ext cx="6518825" cy="461665"/>
           </a:xfrm>
           <a:prstGeom prst="rect">
             <a:avLst/>
@@ -5757,7 +6342,7 @@
                 <a:latin typeface="Times New Roman" panose="02020603050405020304" pitchFamily="18" charset="0"/>
                 <a:cs typeface="Times New Roman" panose="02020603050405020304" pitchFamily="18" charset="0"/>
               </a:rPr>
-              <a:t>Окно отчёта по использованию материалов</a:t>
+              <a:t>Окно «Отчёт по использованию материалов»</a:t>
             </a:r>
             <a:endParaRPr lang="ru-BY" sz="2400" dirty="0">
               <a:latin typeface="Times New Roman" panose="02020603050405020304" pitchFamily="18" charset="0"/>
@@ -5781,21 +6366,64 @@
           <p:nvPr/>
         </p:nvPicPr>
         <p:blipFill>
-          <a:blip r:embed="rId2"/>
+          <a:blip r:embed="rId3"/>
           <a:stretch>
             <a:fillRect/>
           </a:stretch>
         </p:blipFill>
         <p:spPr>
           <a:xfrm>
-            <a:off x="2745527" y="922412"/>
-            <a:ext cx="6700945" cy="5013176"/>
+            <a:off x="2836586" y="1060530"/>
+            <a:ext cx="6518825" cy="4876927"/>
           </a:xfrm>
           <a:prstGeom prst="rect">
             <a:avLst/>
           </a:prstGeom>
         </p:spPr>
       </p:pic>
+      <p:sp>
+        <p:nvSpPr>
+          <p:cNvPr id="6" name="Заголовок 1">
+            <a:extLst>
+              <a:ext uri="{FF2B5EF4-FFF2-40B4-BE49-F238E27FC236}">
+                <a16:creationId xmlns:a16="http://schemas.microsoft.com/office/drawing/2014/main" id="{26295D86-CBD0-70CB-6104-9D2A76833172}"/>
+              </a:ext>
+            </a:extLst>
+          </p:cNvPr>
+          <p:cNvSpPr>
+            <a:spLocks noGrp="1"/>
+          </p:cNvSpPr>
+          <p:nvPr>
+            <p:ph type="title"/>
+          </p:nvPr>
+        </p:nvSpPr>
+        <p:spPr>
+          <a:xfrm>
+            <a:off x="838199" y="1"/>
+            <a:ext cx="10515600" cy="1124744"/>
+          </a:xfrm>
+        </p:spPr>
+        <p:txBody>
+          <a:bodyPr>
+            <a:normAutofit/>
+          </a:bodyPr>
+          <a:lstStyle/>
+          <a:p>
+            <a:pPr algn="ctr"/>
+            <a:r>
+              <a:rPr lang="ru-RU" sz="6600" b="1" dirty="0">
+                <a:latin typeface="Times New Roman" panose="02020603050405020304" pitchFamily="18" charset="0"/>
+                <a:cs typeface="Times New Roman" panose="02020603050405020304" pitchFamily="18" charset="0"/>
+              </a:rPr>
+              <a:t>Окна программы</a:t>
+            </a:r>
+            <a:endParaRPr lang="ru-BY" sz="6600" b="1" dirty="0">
+              <a:latin typeface="Times New Roman" panose="02020603050405020304" pitchFamily="18" charset="0"/>
+              <a:cs typeface="Times New Roman" panose="02020603050405020304" pitchFamily="18" charset="0"/>
+            </a:endParaRPr>
+          </a:p>
+        </p:txBody>
+      </p:sp>
     </p:spTree>
     <p:extLst>
       <p:ext uri="{BB962C8B-B14F-4D97-AF65-F5344CB8AC3E}">
@@ -5828,47 +6456,6 @@
       </p:grpSpPr>
       <p:sp>
         <p:nvSpPr>
-          <p:cNvPr id="2" name="Заголовок 1">
-            <a:extLst>
-              <a:ext uri="{FF2B5EF4-FFF2-40B4-BE49-F238E27FC236}">
-                <a16:creationId xmlns:a16="http://schemas.microsoft.com/office/drawing/2014/main" id="{B54CA1D2-3FC7-4629-880F-5B0DE5CDF5FC}"/>
-              </a:ext>
-            </a:extLst>
-          </p:cNvPr>
-          <p:cNvSpPr>
-            <a:spLocks noGrp="1"/>
-          </p:cNvSpPr>
-          <p:nvPr>
-            <p:ph type="title"/>
-          </p:nvPr>
-        </p:nvSpPr>
-        <p:spPr>
-          <a:xfrm>
-            <a:off x="2152650" y="-3604"/>
-            <a:ext cx="7886700" cy="1325563"/>
-          </a:xfrm>
-        </p:spPr>
-        <p:txBody>
-          <a:bodyPr/>
-          <a:lstStyle/>
-          <a:p>
-            <a:pPr algn="ctr"/>
-            <a:r>
-              <a:rPr lang="ru-RU" sz="3600" b="1" dirty="0">
-                <a:latin typeface="Times New Roman" panose="02020603050405020304" pitchFamily="18" charset="0"/>
-                <a:cs typeface="Times New Roman" panose="02020603050405020304" pitchFamily="18" charset="0"/>
-              </a:rPr>
-              <a:t>Окна программы</a:t>
-            </a:r>
-            <a:endParaRPr lang="ru-BY" b="1" dirty="0">
-              <a:latin typeface="Times New Roman" panose="02020603050405020304" pitchFamily="18" charset="0"/>
-              <a:cs typeface="Times New Roman" panose="02020603050405020304" pitchFamily="18" charset="0"/>
-            </a:endParaRPr>
-          </a:p>
-        </p:txBody>
-      </p:sp>
-      <p:sp>
-        <p:nvSpPr>
           <p:cNvPr id="7" name="TextBox 6">
             <a:extLst>
               <a:ext uri="{FF2B5EF4-FFF2-40B4-BE49-F238E27FC236}">
@@ -5901,7 +6488,7 @@
                 <a:latin typeface="Times New Roman" panose="02020603050405020304" pitchFamily="18" charset="0"/>
                 <a:cs typeface="Times New Roman" panose="02020603050405020304" pitchFamily="18" charset="0"/>
               </a:rPr>
-              <a:t>Окно статистики продаж</a:t>
+              <a:t>Окно «Статистика продаж»</a:t>
             </a:r>
             <a:endParaRPr lang="ru-BY" sz="2400" dirty="0">
               <a:latin typeface="Times New Roman" panose="02020603050405020304" pitchFamily="18" charset="0"/>
@@ -5925,7 +6512,7 @@
           <p:nvPr/>
         </p:nvPicPr>
         <p:blipFill>
-          <a:blip r:embed="rId2"/>
+          <a:blip r:embed="rId3"/>
           <a:stretch>
             <a:fillRect/>
           </a:stretch>
@@ -5940,6 +6527,49 @@
           </a:prstGeom>
         </p:spPr>
       </p:pic>
+      <p:sp>
+        <p:nvSpPr>
+          <p:cNvPr id="6" name="Заголовок 1">
+            <a:extLst>
+              <a:ext uri="{FF2B5EF4-FFF2-40B4-BE49-F238E27FC236}">
+                <a16:creationId xmlns:a16="http://schemas.microsoft.com/office/drawing/2014/main" id="{4B7A0479-9EDA-2091-CC14-1055A486C144}"/>
+              </a:ext>
+            </a:extLst>
+          </p:cNvPr>
+          <p:cNvSpPr>
+            <a:spLocks noGrp="1"/>
+          </p:cNvSpPr>
+          <p:nvPr>
+            <p:ph type="title"/>
+          </p:nvPr>
+        </p:nvSpPr>
+        <p:spPr>
+          <a:xfrm>
+            <a:off x="838200" y="1253"/>
+            <a:ext cx="10515600" cy="1051484"/>
+          </a:xfrm>
+        </p:spPr>
+        <p:txBody>
+          <a:bodyPr>
+            <a:normAutofit/>
+          </a:bodyPr>
+          <a:lstStyle/>
+          <a:p>
+            <a:pPr algn="ctr"/>
+            <a:r>
+              <a:rPr lang="ru-RU" sz="6600" b="1" dirty="0">
+                <a:latin typeface="Times New Roman" panose="02020603050405020304" pitchFamily="18" charset="0"/>
+                <a:cs typeface="Times New Roman" panose="02020603050405020304" pitchFamily="18" charset="0"/>
+              </a:rPr>
+              <a:t>Окна программы</a:t>
+            </a:r>
+            <a:endParaRPr lang="ru-BY" sz="6600" b="1" dirty="0">
+              <a:latin typeface="Times New Roman" panose="02020603050405020304" pitchFamily="18" charset="0"/>
+              <a:cs typeface="Times New Roman" panose="02020603050405020304" pitchFamily="18" charset="0"/>
+            </a:endParaRPr>
+          </a:p>
+        </p:txBody>
+      </p:sp>
     </p:spTree>
     <p:extLst>
       <p:ext uri="{BB962C8B-B14F-4D97-AF65-F5344CB8AC3E}">
@@ -5982,8 +6612,43 @@
         </p:nvSpPr>
         <p:spPr>
           <a:xfrm>
-            <a:off x="2152650" y="260649"/>
-            <a:ext cx="7886700" cy="1325563"/>
+            <a:off x="1388021" y="1"/>
+            <a:ext cx="9487966" cy="1268759"/>
+          </a:xfrm>
+        </p:spPr>
+        <p:txBody>
+          <a:bodyPr>
+            <a:noAutofit/>
+          </a:bodyPr>
+          <a:lstStyle/>
+          <a:p>
+            <a:pPr algn="ctr">
+              <a:defRPr/>
+            </a:pPr>
+            <a:r>
+              <a:rPr lang="ru-RU" sz="6600" b="1" dirty="0">
+                <a:latin typeface="Times New Roman" pitchFamily="18" charset="0"/>
+                <a:cs typeface="Times New Roman" pitchFamily="18" charset="0"/>
+              </a:rPr>
+              <a:t>Экономический эффект</a:t>
+            </a:r>
+          </a:p>
+        </p:txBody>
+      </p:sp>
+      <p:sp>
+        <p:nvSpPr>
+          <p:cNvPr id="3" name="Объект 2"/>
+          <p:cNvSpPr>
+            <a:spLocks noGrp="1"/>
+          </p:cNvSpPr>
+          <p:nvPr>
+            <p:ph idx="1"/>
+          </p:nvPr>
+        </p:nvSpPr>
+        <p:spPr>
+          <a:xfrm>
+            <a:off x="551384" y="1340768"/>
+            <a:ext cx="11161240" cy="4895850"/>
           </a:xfrm>
         </p:spPr>
         <p:txBody>
@@ -5992,87 +6657,44 @@
           </a:bodyPr>
           <a:lstStyle/>
           <a:p>
-            <a:pPr algn="ctr">
+            <a:pPr marL="0" indent="0" algn="just" defTabSz="890588">
+              <a:buNone/>
               <a:defRPr/>
             </a:pPr>
             <a:r>
-              <a:rPr lang="ru-RU" sz="3200" b="1" dirty="0">
+              <a:rPr lang="en-US" sz="4400" dirty="0">
                 <a:latin typeface="Times New Roman" pitchFamily="18" charset="0"/>
                 <a:cs typeface="Times New Roman" pitchFamily="18" charset="0"/>
               </a:rPr>
-              <a:t>Экономический эффект</a:t>
-            </a:r>
-          </a:p>
-        </p:txBody>
-      </p:sp>
-      <p:sp>
-        <p:nvSpPr>
-          <p:cNvPr id="3" name="Объект 2"/>
-          <p:cNvSpPr>
-            <a:spLocks noGrp="1"/>
-          </p:cNvSpPr>
-          <p:nvPr>
-            <p:ph idx="1"/>
-          </p:nvPr>
-        </p:nvSpPr>
-        <p:spPr>
-          <a:xfrm>
-            <a:off x="1550540" y="1340768"/>
-            <a:ext cx="9117460" cy="4895850"/>
-          </a:xfrm>
-        </p:spPr>
-        <p:txBody>
-          <a:bodyPr>
-            <a:normAutofit/>
-          </a:bodyPr>
-          <a:lstStyle/>
-          <a:p>
-            <a:pPr marL="425196" indent="-342900" algn="just">
-              <a:buFont typeface="Times New Roman" panose="02020603050405020304" pitchFamily="18" charset="0"/>
-              <a:buChar char="‒"/>
-              <a:defRPr/>
-            </a:pPr>
-            <a:r>
-              <a:rPr lang="ru-RU" sz="2400" dirty="0">
+              <a:t>	</a:t>
+            </a:r>
+            <a:r>
+              <a:rPr lang="ru-RU" sz="4400" dirty="0">
                 <a:latin typeface="Times New Roman" pitchFamily="18" charset="0"/>
                 <a:cs typeface="Times New Roman" pitchFamily="18" charset="0"/>
               </a:rPr>
-              <a:t>Программное средство позволяет сэкономить 995 часов рабочего времени психолога.</a:t>
-            </a:r>
-          </a:p>
-          <a:p>
-            <a:pPr marL="425196" indent="-342900" algn="just">
-              <a:buFont typeface="Times New Roman" panose="02020603050405020304" pitchFamily="18" charset="0"/>
-              <a:buChar char="‒"/>
+              <a:t>Программное средство позволяет сэкономить 995 часов рабочего времени бухгалтера.</a:t>
+            </a:r>
+          </a:p>
+          <a:p>
+            <a:pPr marL="0" indent="0" algn="just" defTabSz="890588">
+              <a:buNone/>
               <a:defRPr/>
             </a:pPr>
             <a:r>
-              <a:rPr lang="ru-RU" sz="2400" dirty="0">
+              <a:rPr lang="en-US" sz="4400" dirty="0">
                 <a:latin typeface="Times New Roman" pitchFamily="18" charset="0"/>
                 <a:cs typeface="Times New Roman" pitchFamily="18" charset="0"/>
               </a:rPr>
-              <a:t> Экономический эффект от внедрения данного программного продукта составит 27927,65 рублей в год.</a:t>
-            </a:r>
-          </a:p>
-          <a:p>
-            <a:pPr marL="0" indent="0" algn="just">
-              <a:buNone/>
-              <a:defRPr/>
-            </a:pPr>
-            <a:endParaRPr lang="ru-RU" dirty="0">
-              <a:latin typeface="Times New Roman" pitchFamily="18" charset="0"/>
-              <a:cs typeface="Times New Roman" pitchFamily="18" charset="0"/>
-            </a:endParaRPr>
-          </a:p>
-          <a:p>
-            <a:pPr marL="0" indent="0" algn="just">
-              <a:buNone/>
-              <a:defRPr/>
-            </a:pPr>
-            <a:endParaRPr lang="ru-RU" dirty="0">
-              <a:latin typeface="Times New Roman" pitchFamily="18" charset="0"/>
-              <a:cs typeface="Times New Roman" pitchFamily="18" charset="0"/>
-            </a:endParaRPr>
+              <a:t>	</a:t>
+            </a:r>
+            <a:r>
+              <a:rPr lang="ru-RU" sz="4400" dirty="0">
+                <a:latin typeface="Times New Roman" pitchFamily="18" charset="0"/>
+                <a:cs typeface="Times New Roman" pitchFamily="18" charset="0"/>
+              </a:rPr>
+              <a:t>Экономический эффект от внедрения данного программного продукта составит 27927,65 рублей в год.</a:t>
+            </a:r>
           </a:p>
         </p:txBody>
       </p:sp>
@@ -6111,7 +6733,12 @@
             <p:ph type="title"/>
           </p:nvPr>
         </p:nvSpPr>
-        <p:spPr/>
+        <p:spPr>
+          <a:xfrm>
+            <a:off x="838200" y="1"/>
+            <a:ext cx="10515600" cy="1196751"/>
+          </a:xfrm>
+        </p:spPr>
         <p:txBody>
           <a:bodyPr>
             <a:normAutofit/>
@@ -6122,7 +6749,7 @@
               <a:defRPr/>
             </a:pPr>
             <a:r>
-              <a:rPr lang="ru-RU" sz="3200" b="1" dirty="0">
+              <a:rPr lang="ru-RU" sz="6600" b="1" dirty="0">
                 <a:latin typeface="Times New Roman" pitchFamily="18" charset="0"/>
                 <a:cs typeface="Times New Roman" pitchFamily="18" charset="0"/>
               </a:rPr>
@@ -6143,54 +6770,60 @@
         </p:nvSpPr>
         <p:spPr>
           <a:xfrm>
-            <a:off x="1703512" y="1690690"/>
-            <a:ext cx="8784976" cy="3322487"/>
+            <a:off x="515380" y="1988840"/>
+            <a:ext cx="11161240" cy="2880320"/>
           </a:xfrm>
         </p:spPr>
         <p:txBody>
           <a:bodyPr>
-            <a:normAutofit/>
+            <a:noAutofit/>
           </a:bodyPr>
           <a:lstStyle/>
           <a:p>
-            <a:pPr algn="just">
-              <a:buFont typeface="Times New Roman" panose="02020603050405020304" pitchFamily="18" charset="0"/>
-              <a:buChar char="‒"/>
+            <a:pPr marL="0" indent="0" algn="just">
+              <a:buNone/>
             </a:pPr>
             <a:r>
-              <a:rPr lang="en-US" sz="2400" dirty="0">
+              <a:rPr lang="en-US" sz="4400" dirty="0">
                 <a:latin typeface="Times New Roman" panose="02020603050405020304" pitchFamily="18" charset="0"/>
                 <a:cs typeface="Times New Roman" pitchFamily="18" charset="0"/>
               </a:rPr>
-              <a:t> </a:t>
-            </a:r>
-            <a:r>
-              <a:rPr lang="ru-RU" sz="2400" dirty="0">
+              <a:t> 	</a:t>
+            </a:r>
+            <a:r>
+              <a:rPr lang="ru-RU" sz="4400" dirty="0">
                 <a:latin typeface="Times New Roman" panose="02020603050405020304" pitchFamily="18" charset="0"/>
                 <a:cs typeface="Times New Roman" pitchFamily="18" charset="0"/>
               </a:rPr>
-              <a:t>Результатом дипломного проекта является программный продукт «Учёт выпуска и реализации продукции в ООО «Вактайм» г. Сморгонь».</a:t>
-            </a:r>
-          </a:p>
-          <a:p>
-            <a:pPr algn="just">
-              <a:buFont typeface="Times New Roman" panose="02020603050405020304" pitchFamily="18" charset="0"/>
-              <a:buChar char="‒"/>
-            </a:pPr>
-            <a:r>
-              <a:rPr lang="en-US" sz="2400" dirty="0">
+              <a:t>Результатом дипломного проекта является программный продукт «Учёт выпуска и реализации продукции в ООО «Вактайм» г. </a:t>
+            </a:r>
+            <a:r>
+              <a:rPr lang="ru-RU" sz="4400">
                 <a:latin typeface="Times New Roman" panose="02020603050405020304" pitchFamily="18" charset="0"/>
                 <a:cs typeface="Times New Roman" pitchFamily="18" charset="0"/>
               </a:rPr>
-              <a:t> </a:t>
-            </a:r>
-            <a:r>
-              <a:rPr lang="ru-RU" sz="2400" dirty="0">
+              <a:t>Сморгонь».</a:t>
+            </a:r>
+            <a:endParaRPr lang="ru-RU" sz="4400" dirty="0">
+              <a:latin typeface="Times New Roman" panose="02020603050405020304" pitchFamily="18" charset="0"/>
+              <a:cs typeface="Times New Roman" pitchFamily="18" charset="0"/>
+            </a:endParaRPr>
+          </a:p>
+          <a:p>
+            <a:pPr marL="0" indent="0" algn="just">
+              <a:buNone/>
+            </a:pPr>
+            <a:r>
+              <a:rPr lang="en-US" sz="4400" dirty="0">
                 <a:latin typeface="Times New Roman" panose="02020603050405020304" pitchFamily="18" charset="0"/>
                 <a:cs typeface="Times New Roman" pitchFamily="18" charset="0"/>
               </a:rPr>
-              <a:t>Программа адаптирована к возможным изменениям в организации.</a:t>
-            </a:r>
+              <a:t> 	</a:t>
+            </a:r>
+            <a:endParaRPr lang="ru-RU" sz="4400" dirty="0">
+              <a:latin typeface="Times New Roman" panose="02020603050405020304" pitchFamily="18" charset="0"/>
+              <a:cs typeface="Times New Roman" pitchFamily="18" charset="0"/>
+            </a:endParaRPr>
           </a:p>
         </p:txBody>
       </p:sp>
@@ -6233,8 +6866,8 @@
         </p:nvSpPr>
         <p:spPr>
           <a:xfrm>
-            <a:off x="1524000" y="236191"/>
-            <a:ext cx="9144000" cy="769441"/>
+            <a:off x="1524000" y="16748"/>
+            <a:ext cx="9144000" cy="1107996"/>
           </a:xfrm>
           <a:prstGeom prst="rect">
             <a:avLst/>
@@ -6342,7 +6975,7 @@
           <a:p>
             <a:pPr lvl="0" algn="ctr"/>
             <a:r>
-              <a:rPr lang="ru-RU" sz="4400" b="1" dirty="0">
+              <a:rPr lang="ru-RU" sz="6600" b="1" dirty="0">
                 <a:latin typeface="Times New Roman" panose="02020603050405020304" pitchFamily="18" charset="0"/>
                 <a:ea typeface="Times New Roman"/>
                 <a:cs typeface="Times New Roman" panose="02020603050405020304" pitchFamily="18" charset="0"/>
@@ -6373,8 +7006,8 @@
         </p:nvSpPr>
         <p:spPr>
           <a:xfrm>
-            <a:off x="767408" y="1916833"/>
-            <a:ext cx="10657184" cy="3293209"/>
+            <a:off x="767408" y="1340768"/>
+            <a:ext cx="10657184" cy="4154984"/>
           </a:xfrm>
           <a:prstGeom prst="rect">
             <a:avLst/>
@@ -6483,34 +7116,34 @@
           <a:p>
             <a:pPr algn="just"/>
             <a:r>
-              <a:rPr lang="ru-RU" sz="3600" dirty="0">
+              <a:rPr lang="en-US" sz="4400" dirty="0">
+                <a:latin typeface="Times New Roman" panose="02020603050405020304" pitchFamily="18" charset="0"/>
+                <a:cs typeface="Times New Roman" panose="02020603050405020304" pitchFamily="18" charset="0"/>
+              </a:rPr>
+              <a:t>	</a:t>
+            </a:r>
+            <a:r>
+              <a:rPr lang="ru-RU" sz="4400" dirty="0">
                 <a:latin typeface="Times New Roman" panose="02020603050405020304" pitchFamily="18" charset="0"/>
                 <a:cs typeface="Times New Roman" panose="02020603050405020304" pitchFamily="18" charset="0"/>
               </a:rPr>
               <a:t>Разработать</a:t>
             </a:r>
             <a:r>
-              <a:rPr lang="en-US" sz="3600" dirty="0">
+              <a:rPr lang="en-US" sz="4400" dirty="0">
                 <a:latin typeface="Times New Roman" panose="02020603050405020304" pitchFamily="18" charset="0"/>
                 <a:cs typeface="Times New Roman" panose="02020603050405020304" pitchFamily="18" charset="0"/>
               </a:rPr>
               <a:t> </a:t>
             </a:r>
             <a:r>
-              <a:rPr lang="ru-RU" sz="3600" dirty="0">
+              <a:rPr lang="ru-RU" sz="4400" dirty="0">
                 <a:latin typeface="Times New Roman" panose="02020603050405020304" pitchFamily="18" charset="0"/>
                 <a:cs typeface="Times New Roman" panose="02020603050405020304" pitchFamily="18" charset="0"/>
               </a:rPr>
               <a:t>программное средство «Учёт выпуска и реализации продукции в ООО «Вактайм» г. Сморгонь», использование которого позволит упростить ведение учёта выпуска и реализации  продукции.</a:t>
             </a:r>
-            <a:endParaRPr lang="ru-BY" sz="3600" dirty="0">
-              <a:latin typeface="Times New Roman" panose="02020603050405020304" pitchFamily="18" charset="0"/>
-              <a:cs typeface="Times New Roman" panose="02020603050405020304" pitchFamily="18" charset="0"/>
-            </a:endParaRPr>
-          </a:p>
-          <a:p>
-            <a:pPr algn="just"/>
-            <a:endParaRPr lang="ru-RU" sz="2800" dirty="0">
+            <a:endParaRPr lang="ru-RU" sz="4400" dirty="0">
               <a:solidFill>
                 <a:srgbClr val="FF0000"/>
               </a:solidFill>
@@ -6559,8 +7192,8 @@
         </p:nvSpPr>
         <p:spPr>
           <a:xfrm>
-            <a:off x="1524000" y="560874"/>
-            <a:ext cx="9144000" cy="769441"/>
+            <a:off x="1524000" y="16748"/>
+            <a:ext cx="9144000" cy="1107996"/>
           </a:xfrm>
           <a:prstGeom prst="rect">
             <a:avLst/>
@@ -6668,7 +7301,7 @@
           <a:p>
             <a:pPr lvl="0" algn="ctr"/>
             <a:r>
-              <a:rPr lang="ru-RU" sz="4400" b="1" dirty="0">
+              <a:rPr lang="ru-RU" sz="6600" b="1" dirty="0">
                 <a:latin typeface="Times New Roman" panose="02020603050405020304" pitchFamily="18" charset="0"/>
                 <a:ea typeface="Times New Roman"/>
                 <a:cs typeface="Times New Roman" panose="02020603050405020304" pitchFamily="18" charset="0"/>
@@ -6699,8 +7332,8 @@
         </p:nvSpPr>
         <p:spPr>
           <a:xfrm>
-            <a:off x="839416" y="1772816"/>
-            <a:ext cx="10873208" cy="3970318"/>
+            <a:off x="659396" y="1268760"/>
+            <a:ext cx="10873208" cy="4662815"/>
           </a:xfrm>
           <a:prstGeom prst="rect">
             <a:avLst/>
@@ -6807,90 +7440,77 @@
             </a:lvl9pPr>
           </a:lstStyle>
           <a:p>
-            <a:pPr marL="457200" indent="-457200">
+            <a:pPr marL="457200" indent="-457200" algn="just">
               <a:buFont typeface="Times New Roman" panose="02020603050405020304" pitchFamily="18" charset="0"/>
               <a:buChar char="‒"/>
             </a:pPr>
             <a:r>
-              <a:rPr lang="ru-RU" sz="3600" dirty="0">
+              <a:rPr lang="ru-RU" sz="3300" dirty="0">
                 <a:latin typeface="Times New Roman" panose="02020603050405020304" pitchFamily="18" charset="0"/>
                 <a:cs typeface="Times New Roman" panose="02020603050405020304" pitchFamily="18" charset="0"/>
               </a:rPr>
-              <a:t>автоматизировать процесс учёта выпуска продукции</a:t>
-            </a:r>
-            <a:r>
-              <a:rPr lang="en-US" sz="3600" dirty="0">
+              <a:t>проанализировать текущую систему учёта выпуска и реализации продукции на предприятии ООО «Вактайм»</a:t>
+            </a:r>
+            <a:r>
+              <a:rPr lang="en-US" sz="3300" dirty="0">
                 <a:latin typeface="Times New Roman" panose="02020603050405020304" pitchFamily="18" charset="0"/>
                 <a:cs typeface="Times New Roman" panose="02020603050405020304" pitchFamily="18" charset="0"/>
               </a:rPr>
               <a:t>;</a:t>
             </a:r>
-            <a:endParaRPr lang="ru-RU" sz="3600" dirty="0">
+            <a:endParaRPr lang="ru-RU" sz="3300" dirty="0">
               <a:latin typeface="Times New Roman" panose="02020603050405020304" pitchFamily="18" charset="0"/>
               <a:cs typeface="Times New Roman" panose="02020603050405020304" pitchFamily="18" charset="0"/>
             </a:endParaRPr>
           </a:p>
           <a:p>
-            <a:pPr marL="457200" indent="-457200">
+            <a:pPr marL="457200" indent="-457200" algn="just">
               <a:buFont typeface="Times New Roman" panose="02020603050405020304" pitchFamily="18" charset="0"/>
               <a:buChar char="‒"/>
             </a:pPr>
             <a:r>
-              <a:rPr lang="ru-RU" sz="3600" dirty="0">
+              <a:rPr lang="ru-RU" sz="3300" dirty="0">
                 <a:latin typeface="Times New Roman" panose="02020603050405020304" pitchFamily="18" charset="0"/>
                 <a:cs typeface="Times New Roman" panose="02020603050405020304" pitchFamily="18" charset="0"/>
               </a:rPr>
-              <a:t>обеспечить контроль и управление процессом реализации</a:t>
-            </a:r>
-            <a:r>
-              <a:rPr lang="en-US" sz="3600" dirty="0">
+              <a:t>разработать требования к программному средству для автоматизации учёта выпуска и реализации продукции</a:t>
+            </a:r>
+            <a:r>
+              <a:rPr lang="en-US" sz="3300" dirty="0">
                 <a:latin typeface="Times New Roman" panose="02020603050405020304" pitchFamily="18" charset="0"/>
                 <a:cs typeface="Times New Roman" panose="02020603050405020304" pitchFamily="18" charset="0"/>
               </a:rPr>
               <a:t>;</a:t>
             </a:r>
-            <a:endParaRPr lang="ru-RU" sz="3600" dirty="0">
+            <a:endParaRPr lang="ru-RU" sz="3300" dirty="0">
               <a:latin typeface="Times New Roman" panose="02020603050405020304" pitchFamily="18" charset="0"/>
               <a:cs typeface="Times New Roman" panose="02020603050405020304" pitchFamily="18" charset="0"/>
             </a:endParaRPr>
           </a:p>
           <a:p>
-            <a:pPr marL="457200" indent="-457200">
+            <a:pPr marL="457200" indent="-457200" algn="just">
               <a:buFont typeface="Times New Roman" panose="02020603050405020304" pitchFamily="18" charset="0"/>
               <a:buChar char="‒"/>
             </a:pPr>
             <a:r>
-              <a:rPr lang="ru-RU" sz="3600" dirty="0">
+              <a:rPr lang="ru-RU" sz="3300" dirty="0">
                 <a:latin typeface="Times New Roman" panose="02020603050405020304" pitchFamily="18" charset="0"/>
                 <a:cs typeface="Times New Roman" panose="02020603050405020304" pitchFamily="18" charset="0"/>
               </a:rPr>
-              <a:t>реализовать складской учёт;</a:t>
-            </a:r>
-          </a:p>
-          <a:p>
-            <a:pPr marL="457200" indent="-457200">
+              <a:t>спроектировать архитектуру программного средства, включая информационную модель и структуру базы данных;</a:t>
+            </a:r>
+          </a:p>
+          <a:p>
+            <a:pPr marL="457200" indent="-457200" algn="just">
               <a:buFont typeface="Times New Roman" panose="02020603050405020304" pitchFamily="18" charset="0"/>
               <a:buChar char="‒"/>
             </a:pPr>
             <a:r>
-              <a:rPr lang="ru-RU" sz="3600" dirty="0">
+              <a:rPr lang="ru-RU" sz="3300" dirty="0">
                 <a:latin typeface="Times New Roman" panose="02020603050405020304" pitchFamily="18" charset="0"/>
                 <a:cs typeface="Times New Roman" panose="02020603050405020304" pitchFamily="18" charset="0"/>
               </a:rPr>
-              <a:t>автоматизировать расчёт себестоимости;</a:t>
-            </a:r>
-          </a:p>
-          <a:p>
-            <a:pPr marL="457200" indent="-457200">
-              <a:buFont typeface="Times New Roman" panose="02020603050405020304" pitchFamily="18" charset="0"/>
-              <a:buChar char="‒"/>
-            </a:pPr>
-            <a:r>
-              <a:rPr lang="ru-RU" sz="3600" dirty="0">
-                <a:latin typeface="Times New Roman" panose="02020603050405020304" pitchFamily="18" charset="0"/>
-                <a:cs typeface="Times New Roman" panose="02020603050405020304" pitchFamily="18" charset="0"/>
-              </a:rPr>
-              <a:t>реализовать систему отчётности.</a:t>
+              <a:t>провести тестирование программного средства на предмет корректности учёта и удобства использования.</a:t>
             </a:r>
           </a:p>
         </p:txBody>
@@ -6934,8 +7554,8 @@
         </p:nvSpPr>
         <p:spPr>
           <a:xfrm>
-            <a:off x="1524000" y="404664"/>
-            <a:ext cx="9144000" cy="769441"/>
+            <a:off x="1524000" y="16748"/>
+            <a:ext cx="9144000" cy="1107996"/>
           </a:xfrm>
           <a:prstGeom prst="rect">
             <a:avLst/>
@@ -7044,7 +7664,7 @@
           <a:p>
             <a:pPr lvl="0" algn="ctr"/>
             <a:r>
-              <a:rPr lang="ru-RU" sz="4400" b="1" dirty="0">
+              <a:rPr lang="ru-RU" sz="6600" b="1" dirty="0">
                 <a:latin typeface="Times New Roman" panose="02020603050405020304" pitchFamily="18" charset="0"/>
                 <a:ea typeface="Times New Roman"/>
                 <a:cs typeface="Times New Roman" panose="02020603050405020304" pitchFamily="18" charset="0"/>
@@ -7075,8 +7695,8 @@
         </p:nvSpPr>
         <p:spPr>
           <a:xfrm>
-            <a:off x="479376" y="1916833"/>
-            <a:ext cx="11233248" cy="2862322"/>
+            <a:off x="479376" y="1268760"/>
+            <a:ext cx="11233248" cy="4832092"/>
           </a:xfrm>
           <a:prstGeom prst="rect">
             <a:avLst/>
@@ -7183,55 +7803,13 @@
             </a:lvl9pPr>
           </a:lstStyle>
           <a:p>
-            <a:pPr marL="457200" indent="-457200">
-              <a:buFont typeface="Times New Roman" panose="02020603050405020304" pitchFamily="18" charset="0"/>
-              <a:buChar char="‒"/>
-            </a:pPr>
-            <a:r>
-              <a:rPr lang="ru-RU" sz="3600" dirty="0">
+            <a:pPr algn="just"/>
+            <a:r>
+              <a:rPr lang="ru-RU" sz="4400" dirty="0">
                 <a:latin typeface="Times New Roman" panose="02020603050405020304" pitchFamily="18" charset="0"/>
                 <a:cs typeface="Times New Roman" panose="02020603050405020304" pitchFamily="18" charset="0"/>
               </a:rPr>
-              <a:t>узкая специализация продукта;</a:t>
-            </a:r>
-          </a:p>
-          <a:p>
-            <a:pPr marL="457200" indent="-457200">
-              <a:buFont typeface="Times New Roman" panose="02020603050405020304" pitchFamily="18" charset="0"/>
-              <a:buChar char="‒"/>
-            </a:pPr>
-            <a:r>
-              <a:rPr lang="ru-RU" sz="3600" dirty="0">
-                <a:latin typeface="Times New Roman" panose="02020603050405020304" pitchFamily="18" charset="0"/>
-                <a:cs typeface="Times New Roman" panose="02020603050405020304" pitchFamily="18" charset="0"/>
-              </a:rPr>
-              <a:t>позволяет визуализировать статистику продаж;</a:t>
-            </a:r>
-          </a:p>
-          <a:p>
-            <a:pPr marL="457200" indent="-457200">
-              <a:buFont typeface="Times New Roman" panose="02020603050405020304" pitchFamily="18" charset="0"/>
-              <a:buChar char="‒"/>
-            </a:pPr>
-            <a:r>
-              <a:rPr lang="ru-RU" sz="3600" dirty="0">
-                <a:latin typeface="Times New Roman" panose="02020603050405020304" pitchFamily="18" charset="0"/>
-                <a:cs typeface="Times New Roman" panose="02020603050405020304" pitchFamily="18" charset="0"/>
-              </a:rPr>
-              <a:t>простой и удобный интерфейс;</a:t>
-            </a:r>
-          </a:p>
-          <a:p>
-            <a:pPr marL="457200" indent="-457200">
-              <a:buFont typeface="Times New Roman" panose="02020603050405020304" pitchFamily="18" charset="0"/>
-              <a:buChar char="‒"/>
-            </a:pPr>
-            <a:r>
-              <a:rPr lang="ru-RU" sz="3600" dirty="0">
-                <a:latin typeface="Times New Roman" panose="02020603050405020304" pitchFamily="18" charset="0"/>
-                <a:cs typeface="Times New Roman" panose="02020603050405020304" pitchFamily="18" charset="0"/>
-              </a:rPr>
-              <a:t>расчёта себестоимости продукции на основе фактических данных.</a:t>
+              <a:t>	Правильная организация учёта выпуска реализации продукции обеспечивает достоверность данных, позволяет формировать корректную бухгалтерскую и управленческую отчётность, а также принимать обоснованные управленческие решения.</a:t>
             </a:r>
           </a:p>
         </p:txBody>
@@ -7273,13 +7851,13 @@
         </p:nvSpPr>
         <p:spPr>
           <a:xfrm>
-            <a:off x="2152650" y="332657"/>
-            <a:ext cx="7886700" cy="1325563"/>
+            <a:off x="299356" y="332656"/>
+            <a:ext cx="11593288" cy="1325563"/>
           </a:xfrm>
         </p:spPr>
         <p:txBody>
           <a:bodyPr>
-            <a:normAutofit/>
+            <a:noAutofit/>
           </a:bodyPr>
           <a:lstStyle/>
           <a:p>
@@ -7287,7 +7865,7 @@
               <a:defRPr/>
             </a:pPr>
             <a:r>
-              <a:rPr lang="ru-RU" b="1" dirty="0">
+              <a:rPr lang="ru-RU" sz="6600" b="1" dirty="0">
                 <a:latin typeface="Times New Roman" panose="02020603050405020304" pitchFamily="18" charset="0"/>
                 <a:cs typeface="Times New Roman" pitchFamily="18" charset="0"/>
               </a:rPr>
@@ -7308,13 +7886,13 @@
         </p:nvSpPr>
         <p:spPr>
           <a:xfrm>
-            <a:off x="1649760" y="1823529"/>
-            <a:ext cx="8892480" cy="3210941"/>
+            <a:off x="1649760" y="1906184"/>
+            <a:ext cx="8892480" cy="3045631"/>
           </a:xfrm>
         </p:spPr>
         <p:txBody>
           <a:bodyPr>
-            <a:normAutofit/>
+            <a:noAutofit/>
           </a:bodyPr>
           <a:lstStyle/>
           <a:p>
@@ -7323,7 +7901,7 @@
               <a:buChar char="‒"/>
             </a:pPr>
             <a:r>
-              <a:rPr lang="ru-RU" sz="3600" dirty="0">
+              <a:rPr lang="ru-RU" sz="4400" dirty="0">
                 <a:solidFill>
                   <a:srgbClr val="000000"/>
                 </a:solidFill>
@@ -7333,7 +7911,7 @@
               <a:t> </a:t>
             </a:r>
             <a:r>
-              <a:rPr lang="en-US" sz="3600" dirty="0">
+              <a:rPr lang="en-US" sz="4400" dirty="0">
                 <a:solidFill>
                   <a:srgbClr val="000000"/>
                 </a:solidFill>
@@ -7342,7 +7920,7 @@
               </a:rPr>
               <a:t>Microsoft Visual Studio 2022;</a:t>
             </a:r>
-            <a:endParaRPr lang="ru-RU" sz="3600" dirty="0">
+            <a:endParaRPr lang="ru-RU" sz="4400" dirty="0">
               <a:solidFill>
                 <a:srgbClr val="000000"/>
               </a:solidFill>
@@ -7356,7 +7934,7 @@
               <a:buChar char="‒"/>
             </a:pPr>
             <a:r>
-              <a:rPr lang="ru-RU" sz="3600" dirty="0">
+              <a:rPr lang="ru-RU" sz="4400" dirty="0">
                 <a:solidFill>
                   <a:srgbClr val="000000"/>
                 </a:solidFill>
@@ -7366,16 +7944,36 @@
               <a:t> </a:t>
             </a:r>
             <a:r>
-              <a:rPr lang="en-US" sz="3600" dirty="0">
+              <a:rPr lang="en-US" sz="4400" dirty="0" err="1">
                 <a:solidFill>
                   <a:srgbClr val="000000"/>
                 </a:solidFill>
                 <a:latin typeface="Times New Roman" panose="02020603050405020304" pitchFamily="18" charset="0"/>
                 <a:cs typeface="Times New Roman" panose="02020603050405020304" pitchFamily="18" charset="0"/>
               </a:rPr>
-              <a:t>Microsoft Office 2024;</a:t>
-            </a:r>
-            <a:endParaRPr lang="ru-RU" sz="3600" dirty="0">
+              <a:t>EntityFramework</a:t>
+            </a:r>
+            <a:r>
+              <a:rPr lang="ru-RU" sz="4400" dirty="0">
+                <a:solidFill>
+                  <a:srgbClr val="000000"/>
+                </a:solidFill>
+                <a:latin typeface="Times New Roman" panose="02020603050405020304" pitchFamily="18" charset="0"/>
+                <a:cs typeface="Times New Roman" panose="02020603050405020304" pitchFamily="18" charset="0"/>
+              </a:rPr>
+              <a:t> 9.0.0</a:t>
+            </a:r>
+            <a:r>
+              <a:rPr lang="en-US" sz="4400" dirty="0">
+                <a:solidFill>
+                  <a:srgbClr val="000000"/>
+                </a:solidFill>
+                <a:latin typeface="Times New Roman" panose="02020603050405020304" pitchFamily="18" charset="0"/>
+                <a:cs typeface="Times New Roman" panose="02020603050405020304" pitchFamily="18" charset="0"/>
+              </a:rPr>
+              <a:t>;</a:t>
+            </a:r>
+            <a:endParaRPr lang="ru-RU" sz="4400" dirty="0">
               <a:solidFill>
                 <a:srgbClr val="000000"/>
               </a:solidFill>
@@ -7389,7 +7987,7 @@
               <a:buChar char="‒"/>
             </a:pPr>
             <a:r>
-              <a:rPr lang="ru-RU" sz="3600" dirty="0">
+              <a:rPr lang="en-US" sz="4400" dirty="0">
                 <a:solidFill>
                   <a:srgbClr val="000000"/>
                 </a:solidFill>
@@ -7399,16 +7997,36 @@
               <a:t> </a:t>
             </a:r>
             <a:r>
-              <a:rPr lang="en-US" sz="3600" dirty="0">
+              <a:rPr lang="en-US" sz="4400" dirty="0" err="1">
                 <a:solidFill>
                   <a:srgbClr val="000000"/>
                 </a:solidFill>
                 <a:latin typeface="Times New Roman" panose="02020603050405020304" pitchFamily="18" charset="0"/>
                 <a:cs typeface="Times New Roman" panose="02020603050405020304" pitchFamily="18" charset="0"/>
               </a:rPr>
-              <a:t>SQLite;</a:t>
-            </a:r>
-            <a:endParaRPr lang="ru-RU" sz="3600" dirty="0">
+              <a:t>MaterialDesign</a:t>
+            </a:r>
+            <a:r>
+              <a:rPr lang="ru-RU" sz="4400" dirty="0">
+                <a:solidFill>
+                  <a:srgbClr val="000000"/>
+                </a:solidFill>
+                <a:latin typeface="Times New Roman" panose="02020603050405020304" pitchFamily="18" charset="0"/>
+                <a:cs typeface="Times New Roman" panose="02020603050405020304" pitchFamily="18" charset="0"/>
+              </a:rPr>
+              <a:t> 5.2.1</a:t>
+            </a:r>
+            <a:r>
+              <a:rPr lang="en-US" sz="4400" dirty="0">
+                <a:solidFill>
+                  <a:srgbClr val="000000"/>
+                </a:solidFill>
+                <a:latin typeface="Times New Roman" panose="02020603050405020304" pitchFamily="18" charset="0"/>
+                <a:cs typeface="Times New Roman" panose="02020603050405020304" pitchFamily="18" charset="0"/>
+              </a:rPr>
+              <a:t>;</a:t>
+            </a:r>
+            <a:endParaRPr lang="ru-RU" sz="4400" dirty="0">
               <a:latin typeface="Times New Roman" panose="02020603050405020304" pitchFamily="18" charset="0"/>
               <a:cs typeface="Times New Roman" panose="02020603050405020304" pitchFamily="18" charset="0"/>
             </a:endParaRPr>
@@ -7419,47 +8037,41 @@
               <a:buChar char="‒"/>
             </a:pPr>
             <a:r>
-              <a:rPr lang="ru-RU" sz="3600" dirty="0">
+              <a:rPr lang="ru-RU" sz="4400" dirty="0">
                 <a:latin typeface="Times New Roman" panose="02020603050405020304" pitchFamily="18" charset="0"/>
                 <a:cs typeface="Times New Roman" panose="02020603050405020304" pitchFamily="18" charset="0"/>
               </a:rPr>
               <a:t> </a:t>
             </a:r>
             <a:r>
-              <a:rPr lang="en-US" sz="3600" dirty="0">
+              <a:rPr lang="en-US" sz="4400" dirty="0" err="1">
                 <a:latin typeface="Times New Roman" panose="02020603050405020304" pitchFamily="18" charset="0"/>
                 <a:cs typeface="Times New Roman" panose="02020603050405020304" pitchFamily="18" charset="0"/>
               </a:rPr>
-              <a:t>Microsoft.EntityFramework;</a:t>
-            </a:r>
-          </a:p>
-          <a:p>
-            <a:pPr>
-              <a:buFont typeface="Times New Roman" panose="02020603050405020304" pitchFamily="18" charset="0"/>
-              <a:buChar char="‒"/>
-            </a:pPr>
-            <a:r>
-              <a:rPr lang="ru-RU" sz="3600" dirty="0">
+              <a:t>LiveCharts</a:t>
+            </a:r>
+            <a:r>
+              <a:rPr lang="ru-RU" sz="4400" dirty="0">
                 <a:latin typeface="Times New Roman" panose="02020603050405020304" pitchFamily="18" charset="0"/>
                 <a:cs typeface="Times New Roman" panose="02020603050405020304" pitchFamily="18" charset="0"/>
               </a:rPr>
               <a:t> </a:t>
             </a:r>
             <a:r>
-              <a:rPr lang="en-US" sz="3600" dirty="0">
+              <a:rPr lang="en-US" sz="4400" dirty="0">
                 <a:latin typeface="Times New Roman" panose="02020603050405020304" pitchFamily="18" charset="0"/>
                 <a:cs typeface="Times New Roman" panose="02020603050405020304" pitchFamily="18" charset="0"/>
               </a:rPr>
-              <a:t>NuGet</a:t>
-            </a:r>
-            <a:r>
-              <a:rPr lang="ru-RU" sz="3600" dirty="0">
+              <a:t>2.0.0-rc5.4</a:t>
+            </a:r>
+            <a:r>
+              <a:rPr lang="ru-RU" sz="4400" dirty="0">
                 <a:latin typeface="Times New Roman" panose="02020603050405020304" pitchFamily="18" charset="0"/>
                 <a:cs typeface="Times New Roman" panose="02020603050405020304" pitchFamily="18" charset="0"/>
               </a:rPr>
               <a:t>.</a:t>
             </a:r>
-            <a:endParaRPr lang="en-US" sz="3600" dirty="0">
+            <a:endParaRPr lang="en-US" sz="4400" dirty="0">
               <a:latin typeface="Times New Roman" panose="02020603050405020304" pitchFamily="18" charset="0"/>
               <a:cs typeface="Times New Roman" panose="02020603050405020304" pitchFamily="18" charset="0"/>
             </a:endParaRPr>
@@ -7507,20 +8119,27 @@
             <p:ph type="title"/>
           </p:nvPr>
         </p:nvSpPr>
-        <p:spPr/>
-        <p:txBody>
-          <a:bodyPr/>
+        <p:spPr>
+          <a:xfrm>
+            <a:off x="838200" y="15205"/>
+            <a:ext cx="10515600" cy="1325563"/>
+          </a:xfrm>
+        </p:spPr>
+        <p:txBody>
+          <a:bodyPr>
+            <a:normAutofit/>
+          </a:bodyPr>
           <a:lstStyle/>
           <a:p>
             <a:pPr algn="ctr"/>
             <a:r>
-              <a:rPr lang="ru-RU" sz="3600" b="1" dirty="0">
+              <a:rPr lang="ru-RU" sz="6600" b="1" dirty="0">
                 <a:latin typeface="Times New Roman" panose="02020603050405020304" pitchFamily="18" charset="0"/>
                 <a:cs typeface="Times New Roman" panose="02020603050405020304" pitchFamily="18" charset="0"/>
               </a:rPr>
               <a:t>Окна программы</a:t>
             </a:r>
-            <a:endParaRPr lang="ru-BY" b="1" dirty="0">
+            <a:endParaRPr lang="ru-BY" sz="8000" b="1" dirty="0">
               <a:latin typeface="Times New Roman" panose="02020603050405020304" pitchFamily="18" charset="0"/>
               <a:cs typeface="Times New Roman" panose="02020603050405020304" pitchFamily="18" charset="0"/>
             </a:endParaRPr>
@@ -7545,7 +8164,7 @@
           <p:nvPr/>
         </p:nvPicPr>
         <p:blipFill>
-          <a:blip r:embed="rId2">
+          <a:blip r:embed="rId3">
             <a:extLst>
               <a:ext uri="{28A0092B-C50C-407E-A947-70E740481C1C}">
                 <a14:useLocalDpi xmlns:a14="http://schemas.microsoft.com/office/drawing/2010/main" val="0"/>
@@ -7581,7 +8200,7 @@
           <p:nvPr/>
         </p:nvPicPr>
         <p:blipFill>
-          <a:blip r:embed="rId3">
+          <a:blip r:embed="rId4">
             <a:extLst>
               <a:ext uri="{28A0092B-C50C-407E-A947-70E740481C1C}">
                 <a14:useLocalDpi xmlns:a14="http://schemas.microsoft.com/office/drawing/2010/main" val="0"/>
@@ -7616,8 +8235,8 @@
         </p:nvSpPr>
         <p:spPr>
           <a:xfrm>
-            <a:off x="1795350" y="4807270"/>
-            <a:ext cx="2572458" cy="461665"/>
+            <a:off x="1625245" y="4807269"/>
+            <a:ext cx="3148522" cy="461665"/>
           </a:xfrm>
           <a:prstGeom prst="rect">
             <a:avLst/>
@@ -7635,7 +8254,7 @@
                 <a:latin typeface="Times New Roman" panose="02020603050405020304" pitchFamily="18" charset="0"/>
                 <a:cs typeface="Times New Roman" panose="02020603050405020304" pitchFamily="18" charset="0"/>
               </a:rPr>
-              <a:t>Окно авторизации</a:t>
+              <a:t>Окно «Авторизации»</a:t>
             </a:r>
             <a:endParaRPr lang="ru-BY" sz="2400" dirty="0">
               <a:latin typeface="Times New Roman" panose="02020603050405020304" pitchFamily="18" charset="0"/>
@@ -7718,47 +8337,6 @@
       </p:grpSpPr>
       <p:sp>
         <p:nvSpPr>
-          <p:cNvPr id="2" name="Заголовок 1">
-            <a:extLst>
-              <a:ext uri="{FF2B5EF4-FFF2-40B4-BE49-F238E27FC236}">
-                <a16:creationId xmlns:a16="http://schemas.microsoft.com/office/drawing/2014/main" id="{B54CA1D2-3FC7-4629-880F-5B0DE5CDF5FC}"/>
-              </a:ext>
-            </a:extLst>
-          </p:cNvPr>
-          <p:cNvSpPr>
-            <a:spLocks noGrp="1"/>
-          </p:cNvSpPr>
-          <p:nvPr>
-            <p:ph type="title"/>
-          </p:nvPr>
-        </p:nvSpPr>
-        <p:spPr>
-          <a:xfrm>
-            <a:off x="2152650" y="-3604"/>
-            <a:ext cx="7886700" cy="1325563"/>
-          </a:xfrm>
-        </p:spPr>
-        <p:txBody>
-          <a:bodyPr/>
-          <a:lstStyle/>
-          <a:p>
-            <a:pPr algn="ctr"/>
-            <a:r>
-              <a:rPr lang="ru-RU" sz="3600" b="1" dirty="0">
-                <a:latin typeface="Times New Roman" panose="02020603050405020304" pitchFamily="18" charset="0"/>
-                <a:cs typeface="Times New Roman" panose="02020603050405020304" pitchFamily="18" charset="0"/>
-              </a:rPr>
-              <a:t>Окна программы</a:t>
-            </a:r>
-            <a:endParaRPr lang="ru-BY" b="1" dirty="0">
-              <a:latin typeface="Times New Roman" panose="02020603050405020304" pitchFamily="18" charset="0"/>
-              <a:cs typeface="Times New Roman" panose="02020603050405020304" pitchFamily="18" charset="0"/>
-            </a:endParaRPr>
-          </a:p>
-        </p:txBody>
-      </p:sp>
-      <p:sp>
-        <p:nvSpPr>
           <p:cNvPr id="7" name="TextBox 6">
             <a:extLst>
               <a:ext uri="{FF2B5EF4-FFF2-40B4-BE49-F238E27FC236}">
@@ -7791,7 +8369,7 @@
                 <a:latin typeface="Times New Roman" panose="02020603050405020304" pitchFamily="18" charset="0"/>
                 <a:cs typeface="Times New Roman" panose="02020603050405020304" pitchFamily="18" charset="0"/>
               </a:rPr>
-              <a:t>Окно справочника продукции</a:t>
+              <a:t>Окно «Справочник продукции»</a:t>
             </a:r>
             <a:endParaRPr lang="ru-BY" sz="2400" dirty="0">
               <a:latin typeface="Times New Roman" panose="02020603050405020304" pitchFamily="18" charset="0"/>
@@ -7815,7 +8393,7 @@
           <p:nvPr/>
         </p:nvPicPr>
         <p:blipFill>
-          <a:blip r:embed="rId2">
+          <a:blip r:embed="rId3">
             <a:extLst>
               <a:ext uri="{28A0092B-C50C-407E-A947-70E740481C1C}">
                 <a14:useLocalDpi xmlns:a14="http://schemas.microsoft.com/office/drawing/2010/main" val="0"/>
@@ -7836,6 +8414,49 @@
           </a:prstGeom>
         </p:spPr>
       </p:pic>
+      <p:sp>
+        <p:nvSpPr>
+          <p:cNvPr id="8" name="Заголовок 1">
+            <a:extLst>
+              <a:ext uri="{FF2B5EF4-FFF2-40B4-BE49-F238E27FC236}">
+                <a16:creationId xmlns:a16="http://schemas.microsoft.com/office/drawing/2014/main" id="{32E06724-2EE2-45FC-6671-BEC6B68EE203}"/>
+              </a:ext>
+            </a:extLst>
+          </p:cNvPr>
+          <p:cNvSpPr>
+            <a:spLocks noGrp="1"/>
+          </p:cNvSpPr>
+          <p:nvPr>
+            <p:ph type="title"/>
+          </p:nvPr>
+        </p:nvSpPr>
+        <p:spPr>
+          <a:xfrm>
+            <a:off x="838200" y="0"/>
+            <a:ext cx="10515600" cy="1025285"/>
+          </a:xfrm>
+        </p:spPr>
+        <p:txBody>
+          <a:bodyPr>
+            <a:normAutofit/>
+          </a:bodyPr>
+          <a:lstStyle/>
+          <a:p>
+            <a:pPr algn="ctr"/>
+            <a:r>
+              <a:rPr lang="ru-RU" sz="6600" b="1" dirty="0">
+                <a:latin typeface="Times New Roman" panose="02020603050405020304" pitchFamily="18" charset="0"/>
+                <a:cs typeface="Times New Roman" panose="02020603050405020304" pitchFamily="18" charset="0"/>
+              </a:rPr>
+              <a:t>Окна программы</a:t>
+            </a:r>
+            <a:endParaRPr lang="ru-BY" sz="6600" b="1" dirty="0">
+              <a:latin typeface="Times New Roman" panose="02020603050405020304" pitchFamily="18" charset="0"/>
+              <a:cs typeface="Times New Roman" panose="02020603050405020304" pitchFamily="18" charset="0"/>
+            </a:endParaRPr>
+          </a:p>
+        </p:txBody>
+      </p:sp>
     </p:spTree>
     <p:extLst>
       <p:ext uri="{BB962C8B-B14F-4D97-AF65-F5344CB8AC3E}">
@@ -7868,47 +8489,6 @@
       </p:grpSpPr>
       <p:sp>
         <p:nvSpPr>
-          <p:cNvPr id="2" name="Заголовок 1">
-            <a:extLst>
-              <a:ext uri="{FF2B5EF4-FFF2-40B4-BE49-F238E27FC236}">
-                <a16:creationId xmlns:a16="http://schemas.microsoft.com/office/drawing/2014/main" id="{B54CA1D2-3FC7-4629-880F-5B0DE5CDF5FC}"/>
-              </a:ext>
-            </a:extLst>
-          </p:cNvPr>
-          <p:cNvSpPr>
-            <a:spLocks noGrp="1"/>
-          </p:cNvSpPr>
-          <p:nvPr>
-            <p:ph type="title"/>
-          </p:nvPr>
-        </p:nvSpPr>
-        <p:spPr>
-          <a:xfrm>
-            <a:off x="2152650" y="-3604"/>
-            <a:ext cx="7886700" cy="1325563"/>
-          </a:xfrm>
-        </p:spPr>
-        <p:txBody>
-          <a:bodyPr/>
-          <a:lstStyle/>
-          <a:p>
-            <a:pPr algn="ctr"/>
-            <a:r>
-              <a:rPr lang="ru-RU" sz="3600" b="1" dirty="0">
-                <a:latin typeface="Times New Roman" panose="02020603050405020304" pitchFamily="18" charset="0"/>
-                <a:cs typeface="Times New Roman" panose="02020603050405020304" pitchFamily="18" charset="0"/>
-              </a:rPr>
-              <a:t>Окна программы</a:t>
-            </a:r>
-            <a:endParaRPr lang="ru-BY" b="1" dirty="0">
-              <a:latin typeface="Times New Roman" panose="02020603050405020304" pitchFamily="18" charset="0"/>
-              <a:cs typeface="Times New Roman" panose="02020603050405020304" pitchFamily="18" charset="0"/>
-            </a:endParaRPr>
-          </a:p>
-        </p:txBody>
-      </p:sp>
-      <p:sp>
-        <p:nvSpPr>
           <p:cNvPr id="7" name="TextBox 6">
             <a:extLst>
               <a:ext uri="{FF2B5EF4-FFF2-40B4-BE49-F238E27FC236}">
@@ -7941,7 +8521,7 @@
                 <a:latin typeface="Times New Roman" panose="02020603050405020304" pitchFamily="18" charset="0"/>
                 <a:cs typeface="Times New Roman" panose="02020603050405020304" pitchFamily="18" charset="0"/>
               </a:rPr>
-              <a:t>Окно договоров</a:t>
+              <a:t>Окно «Договора»</a:t>
             </a:r>
             <a:endParaRPr lang="ru-BY" sz="2400" dirty="0">
               <a:latin typeface="Times New Roman" panose="02020603050405020304" pitchFamily="18" charset="0"/>
@@ -7965,7 +8545,7 @@
           <p:nvPr/>
         </p:nvPicPr>
         <p:blipFill>
-          <a:blip r:embed="rId2">
+          <a:blip r:embed="rId3">
             <a:extLst>
               <a:ext uri="{28A0092B-C50C-407E-A947-70E740481C1C}">
                 <a14:useLocalDpi xmlns:a14="http://schemas.microsoft.com/office/drawing/2010/main" val="0"/>
@@ -7986,6 +8566,49 @@
           </a:prstGeom>
         </p:spPr>
       </p:pic>
+      <p:sp>
+        <p:nvSpPr>
+          <p:cNvPr id="6" name="Заголовок 1">
+            <a:extLst>
+              <a:ext uri="{FF2B5EF4-FFF2-40B4-BE49-F238E27FC236}">
+                <a16:creationId xmlns:a16="http://schemas.microsoft.com/office/drawing/2014/main" id="{5A3AA2A2-9BF0-8918-C1F3-1D9A41F698C9}"/>
+              </a:ext>
+            </a:extLst>
+          </p:cNvPr>
+          <p:cNvSpPr>
+            <a:spLocks noGrp="1"/>
+          </p:cNvSpPr>
+          <p:nvPr>
+            <p:ph type="title"/>
+          </p:nvPr>
+        </p:nvSpPr>
+        <p:spPr>
+          <a:xfrm>
+            <a:off x="838200" y="0"/>
+            <a:ext cx="10515600" cy="1025285"/>
+          </a:xfrm>
+        </p:spPr>
+        <p:txBody>
+          <a:bodyPr>
+            <a:normAutofit/>
+          </a:bodyPr>
+          <a:lstStyle/>
+          <a:p>
+            <a:pPr algn="ctr"/>
+            <a:r>
+              <a:rPr lang="ru-RU" sz="6600" b="1" dirty="0">
+                <a:latin typeface="Times New Roman" panose="02020603050405020304" pitchFamily="18" charset="0"/>
+                <a:cs typeface="Times New Roman" panose="02020603050405020304" pitchFamily="18" charset="0"/>
+              </a:rPr>
+              <a:t>Окна программы</a:t>
+            </a:r>
+            <a:endParaRPr lang="ru-BY" sz="6600" b="1" dirty="0">
+              <a:latin typeface="Times New Roman" panose="02020603050405020304" pitchFamily="18" charset="0"/>
+              <a:cs typeface="Times New Roman" panose="02020603050405020304" pitchFamily="18" charset="0"/>
+            </a:endParaRPr>
+          </a:p>
+        </p:txBody>
+      </p:sp>
     </p:spTree>
     <p:extLst>
       <p:ext uri="{BB962C8B-B14F-4D97-AF65-F5344CB8AC3E}">
@@ -8018,47 +8641,6 @@
       </p:grpSpPr>
       <p:sp>
         <p:nvSpPr>
-          <p:cNvPr id="2" name="Заголовок 1">
-            <a:extLst>
-              <a:ext uri="{FF2B5EF4-FFF2-40B4-BE49-F238E27FC236}">
-                <a16:creationId xmlns:a16="http://schemas.microsoft.com/office/drawing/2014/main" id="{B54CA1D2-3FC7-4629-880F-5B0DE5CDF5FC}"/>
-              </a:ext>
-            </a:extLst>
-          </p:cNvPr>
-          <p:cNvSpPr>
-            <a:spLocks noGrp="1"/>
-          </p:cNvSpPr>
-          <p:nvPr>
-            <p:ph type="title"/>
-          </p:nvPr>
-        </p:nvSpPr>
-        <p:spPr>
-          <a:xfrm>
-            <a:off x="2152650" y="-3604"/>
-            <a:ext cx="7886700" cy="1325563"/>
-          </a:xfrm>
-        </p:spPr>
-        <p:txBody>
-          <a:bodyPr/>
-          <a:lstStyle/>
-          <a:p>
-            <a:pPr algn="ctr"/>
-            <a:r>
-              <a:rPr lang="ru-RU" sz="3600" b="1" dirty="0">
-                <a:latin typeface="Times New Roman" panose="02020603050405020304" pitchFamily="18" charset="0"/>
-                <a:cs typeface="Times New Roman" panose="02020603050405020304" pitchFamily="18" charset="0"/>
-              </a:rPr>
-              <a:t>Окна программы</a:t>
-            </a:r>
-            <a:endParaRPr lang="ru-BY" b="1" dirty="0">
-              <a:latin typeface="Times New Roman" panose="02020603050405020304" pitchFamily="18" charset="0"/>
-              <a:cs typeface="Times New Roman" panose="02020603050405020304" pitchFamily="18" charset="0"/>
-            </a:endParaRPr>
-          </a:p>
-        </p:txBody>
-      </p:sp>
-      <p:sp>
-        <p:nvSpPr>
           <p:cNvPr id="7" name="TextBox 6">
             <a:extLst>
               <a:ext uri="{FF2B5EF4-FFF2-40B4-BE49-F238E27FC236}">
@@ -8091,7 +8673,7 @@
                 <a:latin typeface="Times New Roman" panose="02020603050405020304" pitchFamily="18" charset="0"/>
                 <a:cs typeface="Times New Roman" panose="02020603050405020304" pitchFamily="18" charset="0"/>
               </a:rPr>
-              <a:t>Окно печати договора</a:t>
+              <a:t>Окно «Печать документов»</a:t>
             </a:r>
             <a:endParaRPr lang="ru-BY" sz="2400" dirty="0">
               <a:latin typeface="Times New Roman" panose="02020603050405020304" pitchFamily="18" charset="0"/>
@@ -8115,14 +8697,14 @@
           <p:nvPr/>
         </p:nvPicPr>
         <p:blipFill>
-          <a:blip r:embed="rId2"/>
+          <a:blip r:embed="rId3"/>
           <a:stretch>
             <a:fillRect/>
           </a:stretch>
         </p:blipFill>
         <p:spPr>
           <a:xfrm>
-            <a:off x="1972918" y="948898"/>
+            <a:off x="1972918" y="1052736"/>
             <a:ext cx="8246164" cy="4960203"/>
           </a:xfrm>
           <a:prstGeom prst="rect">
@@ -8130,6 +8712,49 @@
           </a:prstGeom>
         </p:spPr>
       </p:pic>
+      <p:sp>
+        <p:nvSpPr>
+          <p:cNvPr id="6" name="Заголовок 1">
+            <a:extLst>
+              <a:ext uri="{FF2B5EF4-FFF2-40B4-BE49-F238E27FC236}">
+                <a16:creationId xmlns:a16="http://schemas.microsoft.com/office/drawing/2014/main" id="{F0ED8F56-F018-95E0-B7FF-7FF790F3484D}"/>
+              </a:ext>
+            </a:extLst>
+          </p:cNvPr>
+          <p:cNvSpPr>
+            <a:spLocks noGrp="1"/>
+          </p:cNvSpPr>
+          <p:nvPr>
+            <p:ph type="title"/>
+          </p:nvPr>
+        </p:nvSpPr>
+        <p:spPr>
+          <a:xfrm>
+            <a:off x="838200" y="1"/>
+            <a:ext cx="10515600" cy="1052735"/>
+          </a:xfrm>
+        </p:spPr>
+        <p:txBody>
+          <a:bodyPr>
+            <a:normAutofit/>
+          </a:bodyPr>
+          <a:lstStyle/>
+          <a:p>
+            <a:pPr algn="ctr"/>
+            <a:r>
+              <a:rPr lang="ru-RU" sz="6600" b="1" dirty="0">
+                <a:latin typeface="Times New Roman" panose="02020603050405020304" pitchFamily="18" charset="0"/>
+                <a:cs typeface="Times New Roman" panose="02020603050405020304" pitchFamily="18" charset="0"/>
+              </a:rPr>
+              <a:t>Окна программы</a:t>
+            </a:r>
+            <a:endParaRPr lang="ru-BY" sz="6600" b="1" dirty="0">
+              <a:latin typeface="Times New Roman" panose="02020603050405020304" pitchFamily="18" charset="0"/>
+              <a:cs typeface="Times New Roman" panose="02020603050405020304" pitchFamily="18" charset="0"/>
+            </a:endParaRPr>
+          </a:p>
+        </p:txBody>
+      </p:sp>
     </p:spTree>
     <p:extLst>
       <p:ext uri="{BB962C8B-B14F-4D97-AF65-F5344CB8AC3E}">
